--- a/Моделирование систем_/Лекции/Схемы.pptx
+++ b/Моделирование систем_/Лекции/Схемы.pptx
@@ -6,6 +6,9 @@
   </p:sldMasterIdLst>
   <p:sldIdLst>
     <p:sldId id="256" r:id="rId2"/>
+    <p:sldId id="257" r:id="rId3"/>
+    <p:sldId id="258" r:id="rId4"/>
+    <p:sldId id="259" r:id="rId5"/>
   </p:sldIdLst>
   <p:sldSz cx="12192000" cy="6858000"/>
   <p:notesSz cx="6858000" cy="9144000"/>
@@ -104,6 +107,11 @@
       </a:defRPr>
     </a:lvl9pPr>
   </p:defaultTextStyle>
+  <p:extLst>
+    <p:ext uri="{EFAFB233-063F-42B5-8137-9DF3F51BA10A}">
+      <p15:sldGuideLst xmlns:p15="http://schemas.microsoft.com/office/powerpoint/2012/main"/>
+    </p:ext>
+  </p:extLst>
 </p:presentation>
 </file>
 
@@ -238,7 +246,7 @@
           <a:p>
             <a:fld id="{F010B017-3C11-4A71-94BE-A3878F9C0764}" type="datetimeFigureOut">
               <a:rPr lang="ru-RU" smtClean="0"/>
-              <a:t>28.10.2021</a:t>
+              <a:t>11.11.2021</a:t>
             </a:fld>
             <a:endParaRPr lang="ru-RU"/>
           </a:p>
@@ -408,7 +416,7 @@
           <a:p>
             <a:fld id="{F010B017-3C11-4A71-94BE-A3878F9C0764}" type="datetimeFigureOut">
               <a:rPr lang="ru-RU" smtClean="0"/>
-              <a:t>28.10.2021</a:t>
+              <a:t>11.11.2021</a:t>
             </a:fld>
             <a:endParaRPr lang="ru-RU"/>
           </a:p>
@@ -588,7 +596,7 @@
           <a:p>
             <a:fld id="{F010B017-3C11-4A71-94BE-A3878F9C0764}" type="datetimeFigureOut">
               <a:rPr lang="ru-RU" smtClean="0"/>
-              <a:t>28.10.2021</a:t>
+              <a:t>11.11.2021</a:t>
             </a:fld>
             <a:endParaRPr lang="ru-RU"/>
           </a:p>
@@ -758,7 +766,7 @@
           <a:p>
             <a:fld id="{F010B017-3C11-4A71-94BE-A3878F9C0764}" type="datetimeFigureOut">
               <a:rPr lang="ru-RU" smtClean="0"/>
-              <a:t>28.10.2021</a:t>
+              <a:t>11.11.2021</a:t>
             </a:fld>
             <a:endParaRPr lang="ru-RU"/>
           </a:p>
@@ -1004,7 +1012,7 @@
           <a:p>
             <a:fld id="{F010B017-3C11-4A71-94BE-A3878F9C0764}" type="datetimeFigureOut">
               <a:rPr lang="ru-RU" smtClean="0"/>
-              <a:t>28.10.2021</a:t>
+              <a:t>11.11.2021</a:t>
             </a:fld>
             <a:endParaRPr lang="ru-RU"/>
           </a:p>
@@ -1236,7 +1244,7 @@
           <a:p>
             <a:fld id="{F010B017-3C11-4A71-94BE-A3878F9C0764}" type="datetimeFigureOut">
               <a:rPr lang="ru-RU" smtClean="0"/>
-              <a:t>28.10.2021</a:t>
+              <a:t>11.11.2021</a:t>
             </a:fld>
             <a:endParaRPr lang="ru-RU"/>
           </a:p>
@@ -1603,7 +1611,7 @@
           <a:p>
             <a:fld id="{F010B017-3C11-4A71-94BE-A3878F9C0764}" type="datetimeFigureOut">
               <a:rPr lang="ru-RU" smtClean="0"/>
-              <a:t>28.10.2021</a:t>
+              <a:t>11.11.2021</a:t>
             </a:fld>
             <a:endParaRPr lang="ru-RU"/>
           </a:p>
@@ -1721,7 +1729,7 @@
           <a:p>
             <a:fld id="{F010B017-3C11-4A71-94BE-A3878F9C0764}" type="datetimeFigureOut">
               <a:rPr lang="ru-RU" smtClean="0"/>
-              <a:t>28.10.2021</a:t>
+              <a:t>11.11.2021</a:t>
             </a:fld>
             <a:endParaRPr lang="ru-RU"/>
           </a:p>
@@ -1816,7 +1824,7 @@
           <a:p>
             <a:fld id="{F010B017-3C11-4A71-94BE-A3878F9C0764}" type="datetimeFigureOut">
               <a:rPr lang="ru-RU" smtClean="0"/>
-              <a:t>28.10.2021</a:t>
+              <a:t>11.11.2021</a:t>
             </a:fld>
             <a:endParaRPr lang="ru-RU"/>
           </a:p>
@@ -2093,7 +2101,7 @@
           <a:p>
             <a:fld id="{F010B017-3C11-4A71-94BE-A3878F9C0764}" type="datetimeFigureOut">
               <a:rPr lang="ru-RU" smtClean="0"/>
-              <a:t>28.10.2021</a:t>
+              <a:t>11.11.2021</a:t>
             </a:fld>
             <a:endParaRPr lang="ru-RU"/>
           </a:p>
@@ -2346,7 +2354,7 @@
           <a:p>
             <a:fld id="{F010B017-3C11-4A71-94BE-A3878F9C0764}" type="datetimeFigureOut">
               <a:rPr lang="ru-RU" smtClean="0"/>
-              <a:t>28.10.2021</a:t>
+              <a:t>11.11.2021</a:t>
             </a:fld>
             <a:endParaRPr lang="ru-RU"/>
           </a:p>
@@ -2559,7 +2567,7 @@
           <a:p>
             <a:fld id="{F010B017-3C11-4A71-94BE-A3878F9C0764}" type="datetimeFigureOut">
               <a:rPr lang="ru-RU" smtClean="0"/>
-              <a:t>28.10.2021</a:t>
+              <a:t>11.11.2021</a:t>
             </a:fld>
             <a:endParaRPr lang="ru-RU"/>
           </a:p>
@@ -3585,6 +3593,213 @@
 </p:sld>
 </file>
 
+<file path=ppt/slides/slide2.xml><?xml version="1.0" encoding="utf-8"?>
+<p:sld xmlns:a="http://schemas.openxmlformats.org/drawingml/2006/main" xmlns:r="http://schemas.openxmlformats.org/officeDocument/2006/relationships" xmlns:p="http://schemas.openxmlformats.org/presentationml/2006/main">
+  <p:cSld>
+    <p:spTree>
+      <p:nvGrpSpPr>
+        <p:cNvPr id="1" name=""/>
+        <p:cNvGrpSpPr/>
+        <p:nvPr/>
+      </p:nvGrpSpPr>
+      <p:grpSpPr>
+        <a:xfrm>
+          <a:off x="0" y="0"/>
+          <a:ext cx="0" cy="0"/>
+          <a:chOff x="0" y="0"/>
+          <a:chExt cx="0" cy="0"/>
+        </a:xfrm>
+      </p:grpSpPr>
+      <p:pic>
+        <p:nvPicPr>
+          <p:cNvPr id="4" name="Объект 3"/>
+          <p:cNvPicPr>
+            <a:picLocks noGrp="1" noChangeAspect="1"/>
+          </p:cNvPicPr>
+          <p:nvPr>
+            <p:ph idx="1"/>
+          </p:nvPr>
+        </p:nvPicPr>
+        <p:blipFill>
+          <a:blip r:embed="rId2"/>
+          <a:stretch>
+            <a:fillRect/>
+          </a:stretch>
+        </p:blipFill>
+        <p:spPr>
+          <a:xfrm>
+            <a:off x="781482" y="153627"/>
+            <a:ext cx="11084936" cy="6640121"/>
+          </a:xfrm>
+          <a:prstGeom prst="rect">
+            <a:avLst/>
+          </a:prstGeom>
+        </p:spPr>
+      </p:pic>
+    </p:spTree>
+    <p:extLst>
+      <p:ext uri="{BB962C8B-B14F-4D97-AF65-F5344CB8AC3E}">
+        <p14:creationId xmlns:p14="http://schemas.microsoft.com/office/powerpoint/2010/main" val="3826077350"/>
+      </p:ext>
+    </p:extLst>
+  </p:cSld>
+  <p:clrMapOvr>
+    <a:masterClrMapping/>
+  </p:clrMapOvr>
+</p:sld>
+</file>
+
+<file path=ppt/slides/slide3.xml><?xml version="1.0" encoding="utf-8"?>
+<p:sld xmlns:a="http://schemas.openxmlformats.org/drawingml/2006/main" xmlns:r="http://schemas.openxmlformats.org/officeDocument/2006/relationships" xmlns:p="http://schemas.openxmlformats.org/presentationml/2006/main">
+  <p:cSld>
+    <p:spTree>
+      <p:nvGrpSpPr>
+        <p:cNvPr id="1" name=""/>
+        <p:cNvGrpSpPr/>
+        <p:nvPr/>
+      </p:nvGrpSpPr>
+      <p:grpSpPr>
+        <a:xfrm>
+          <a:off x="0" y="0"/>
+          <a:ext cx="0" cy="0"/>
+          <a:chOff x="0" y="0"/>
+          <a:chExt cx="0" cy="0"/>
+        </a:xfrm>
+      </p:grpSpPr>
+      <p:pic>
+        <p:nvPicPr>
+          <p:cNvPr id="4" name="Рисунок 3"/>
+          <p:cNvPicPr>
+            <a:picLocks noChangeAspect="1"/>
+          </p:cNvPicPr>
+          <p:nvPr/>
+        </p:nvPicPr>
+        <p:blipFill>
+          <a:blip r:embed="rId2"/>
+          <a:stretch>
+            <a:fillRect/>
+          </a:stretch>
+        </p:blipFill>
+        <p:spPr>
+          <a:xfrm>
+            <a:off x="1080655" y="796511"/>
+            <a:ext cx="10004056" cy="5250998"/>
+          </a:xfrm>
+          <a:prstGeom prst="rect">
+            <a:avLst/>
+          </a:prstGeom>
+        </p:spPr>
+      </p:pic>
+    </p:spTree>
+    <p:extLst>
+      <p:ext uri="{BB962C8B-B14F-4D97-AF65-F5344CB8AC3E}">
+        <p14:creationId xmlns:p14="http://schemas.microsoft.com/office/powerpoint/2010/main" val="389381796"/>
+      </p:ext>
+    </p:extLst>
+  </p:cSld>
+  <p:clrMapOvr>
+    <a:masterClrMapping/>
+  </p:clrMapOvr>
+</p:sld>
+</file>
+
+<file path=ppt/slides/slide4.xml><?xml version="1.0" encoding="utf-8"?>
+<p:sld xmlns:a="http://schemas.openxmlformats.org/drawingml/2006/main" xmlns:r="http://schemas.openxmlformats.org/officeDocument/2006/relationships" xmlns:p="http://schemas.openxmlformats.org/presentationml/2006/main">
+  <p:cSld>
+    <p:spTree>
+      <p:nvGrpSpPr>
+        <p:cNvPr id="1" name=""/>
+        <p:cNvGrpSpPr/>
+        <p:nvPr/>
+      </p:nvGrpSpPr>
+      <p:grpSpPr>
+        <a:xfrm>
+          <a:off x="0" y="0"/>
+          <a:ext cx="0" cy="0"/>
+          <a:chOff x="0" y="0"/>
+          <a:chExt cx="0" cy="0"/>
+        </a:xfrm>
+      </p:grpSpPr>
+      <p:pic>
+        <p:nvPicPr>
+          <p:cNvPr id="2" name="Рисунок 1"/>
+          <p:cNvPicPr>
+            <a:picLocks noChangeAspect="1"/>
+          </p:cNvPicPr>
+          <p:nvPr/>
+        </p:nvPicPr>
+        <p:blipFill>
+          <a:blip r:embed="rId2"/>
+          <a:stretch>
+            <a:fillRect/>
+          </a:stretch>
+        </p:blipFill>
+        <p:spPr>
+          <a:xfrm>
+            <a:off x="1587643" y="1690687"/>
+            <a:ext cx="10020091" cy="4647767"/>
+          </a:xfrm>
+          <a:prstGeom prst="rect">
+            <a:avLst/>
+          </a:prstGeom>
+        </p:spPr>
+      </p:pic>
+      <p:sp>
+        <p:nvSpPr>
+          <p:cNvPr id="3" name="Заголовок 2"/>
+          <p:cNvSpPr>
+            <a:spLocks noGrp="1"/>
+          </p:cNvSpPr>
+          <p:nvPr>
+            <p:ph type="title"/>
+          </p:nvPr>
+        </p:nvSpPr>
+        <p:spPr/>
+        <p:txBody>
+          <a:bodyPr/>
+          <a:lstStyle/>
+          <a:p>
+            <a:r>
+              <a:rPr lang="ru-RU" dirty="0" smtClean="0"/>
+              <a:t>Разбиение на классы идет при изменение весовых коэ</a:t>
+            </a:r>
+            <a:r>
+              <a:rPr lang="ru-RU" dirty="0"/>
+              <a:t>ф</a:t>
+            </a:r>
+            <a:r>
+              <a:rPr lang="ru-RU" dirty="0" smtClean="0"/>
+              <a:t>фициентов </a:t>
+            </a:r>
+            <a:r>
+              <a:rPr lang="en-US" dirty="0" err="1" smtClean="0"/>
+              <a:t>wij</a:t>
+            </a:r>
+            <a:r>
+              <a:rPr lang="ru-RU" dirty="0" smtClean="0"/>
+              <a:t> . И </a:t>
+            </a:r>
+            <a:r>
+              <a:rPr lang="ru-RU" smtClean="0"/>
+              <a:t>это меняет </a:t>
+            </a:r>
+            <a:endParaRPr lang="ru-RU" dirty="0"/>
+          </a:p>
+        </p:txBody>
+      </p:sp>
+    </p:spTree>
+    <p:extLst>
+      <p:ext uri="{BB962C8B-B14F-4D97-AF65-F5344CB8AC3E}">
+        <p14:creationId xmlns:p14="http://schemas.microsoft.com/office/powerpoint/2010/main" val="1643848817"/>
+      </p:ext>
+    </p:extLst>
+  </p:cSld>
+  <p:clrMapOvr>
+    <a:masterClrMapping/>
+  </p:clrMapOvr>
+</p:sld>
+</file>
+
 <file path=ppt/theme/theme1.xml><?xml version="1.0" encoding="utf-8"?>
 <a:theme xmlns:a="http://schemas.openxmlformats.org/drawingml/2006/main" name="Тема Office">
   <a:themeElements>

--- a/Моделирование систем_/Лекции/Схемы.pptx
+++ b/Моделирование систем_/Лекции/Схемы.pptx
@@ -9,6 +9,13 @@
     <p:sldId id="257" r:id="rId3"/>
     <p:sldId id="258" r:id="rId4"/>
     <p:sldId id="259" r:id="rId5"/>
+    <p:sldId id="260" r:id="rId6"/>
+    <p:sldId id="261" r:id="rId7"/>
+    <p:sldId id="262" r:id="rId8"/>
+    <p:sldId id="263" r:id="rId9"/>
+    <p:sldId id="265" r:id="rId10"/>
+    <p:sldId id="264" r:id="rId11"/>
+    <p:sldId id="266" r:id="rId12"/>
   </p:sldIdLst>
   <p:sldSz cx="12192000" cy="6858000"/>
   <p:notesSz cx="6858000" cy="9144000"/>
@@ -3593,6 +3600,188 @@
 </p:sld>
 </file>
 
+<file path=ppt/slides/slide10.xml><?xml version="1.0" encoding="utf-8"?>
+<p:sld xmlns:a="http://schemas.openxmlformats.org/drawingml/2006/main" xmlns:r="http://schemas.openxmlformats.org/officeDocument/2006/relationships" xmlns:p="http://schemas.openxmlformats.org/presentationml/2006/main">
+  <p:cSld>
+    <p:spTree>
+      <p:nvGrpSpPr>
+        <p:cNvPr id="1" name=""/>
+        <p:cNvGrpSpPr/>
+        <p:nvPr/>
+      </p:nvGrpSpPr>
+      <p:grpSpPr>
+        <a:xfrm>
+          <a:off x="0" y="0"/>
+          <a:ext cx="0" cy="0"/>
+          <a:chOff x="0" y="0"/>
+          <a:chExt cx="0" cy="0"/>
+        </a:xfrm>
+      </p:grpSpPr>
+      <p:sp>
+        <p:nvSpPr>
+          <p:cNvPr id="2" name="Заголовок 1"/>
+          <p:cNvSpPr>
+            <a:spLocks noGrp="1"/>
+          </p:cNvSpPr>
+          <p:nvPr>
+            <p:ph type="title"/>
+          </p:nvPr>
+        </p:nvSpPr>
+        <p:spPr/>
+        <p:txBody>
+          <a:bodyPr/>
+          <a:lstStyle/>
+          <a:p>
+            <a:r>
+              <a:rPr lang="ru-RU" dirty="0" smtClean="0"/>
+              <a:t>Шаг 0</a:t>
+            </a:r>
+            <a:endParaRPr lang="ru-RU" dirty="0"/>
+          </a:p>
+        </p:txBody>
+      </p:sp>
+      <p:sp>
+        <p:nvSpPr>
+          <p:cNvPr id="3" name="Объект 2"/>
+          <p:cNvSpPr>
+            <a:spLocks noGrp="1"/>
+          </p:cNvSpPr>
+          <p:nvPr>
+            <p:ph idx="4294967295"/>
+          </p:nvPr>
+        </p:nvSpPr>
+        <p:spPr>
+          <a:xfrm>
+            <a:off x="0" y="1825625"/>
+            <a:ext cx="10515600" cy="647700"/>
+          </a:xfrm>
+        </p:spPr>
+        <p:txBody>
+          <a:bodyPr/>
+          <a:lstStyle/>
+          <a:p>
+            <a:r>
+              <a:rPr lang="ru-RU" dirty="0" smtClean="0"/>
+              <a:t>Инициализация весов и смещений</a:t>
+            </a:r>
+            <a:endParaRPr lang="ru-RU" dirty="0"/>
+          </a:p>
+        </p:txBody>
+      </p:sp>
+    </p:spTree>
+    <p:extLst>
+      <p:ext uri="{BB962C8B-B14F-4D97-AF65-F5344CB8AC3E}">
+        <p14:creationId xmlns:p14="http://schemas.microsoft.com/office/powerpoint/2010/main" val="1541446617"/>
+      </p:ext>
+    </p:extLst>
+  </p:cSld>
+  <p:clrMapOvr>
+    <a:masterClrMapping/>
+  </p:clrMapOvr>
+</p:sld>
+</file>
+
+<file path=ppt/slides/slide11.xml><?xml version="1.0" encoding="utf-8"?>
+<p:sld xmlns:a="http://schemas.openxmlformats.org/drawingml/2006/main" xmlns:r="http://schemas.openxmlformats.org/officeDocument/2006/relationships" xmlns:p="http://schemas.openxmlformats.org/presentationml/2006/main">
+  <p:cSld>
+    <p:spTree>
+      <p:nvGrpSpPr>
+        <p:cNvPr id="1" name=""/>
+        <p:cNvGrpSpPr/>
+        <p:nvPr/>
+      </p:nvGrpSpPr>
+      <p:grpSpPr>
+        <a:xfrm>
+          <a:off x="0" y="0"/>
+          <a:ext cx="0" cy="0"/>
+          <a:chOff x="0" y="0"/>
+          <a:chExt cx="0" cy="0"/>
+        </a:xfrm>
+      </p:grpSpPr>
+      <p:sp>
+        <p:nvSpPr>
+          <p:cNvPr id="2" name="Заголовок 1"/>
+          <p:cNvSpPr>
+            <a:spLocks noGrp="1"/>
+          </p:cNvSpPr>
+          <p:nvPr>
+            <p:ph type="title"/>
+          </p:nvPr>
+        </p:nvSpPr>
+        <p:spPr/>
+        <p:txBody>
+          <a:bodyPr/>
+          <a:lstStyle/>
+          <a:p>
+            <a:r>
+              <a:rPr lang="ru-RU" dirty="0" smtClean="0"/>
+              <a:t>Шаг 4. Формула</a:t>
+            </a:r>
+            <a:endParaRPr lang="ru-RU" dirty="0"/>
+          </a:p>
+        </p:txBody>
+      </p:sp>
+      <p:pic>
+        <p:nvPicPr>
+          <p:cNvPr id="4" name="Рисунок 3"/>
+          <p:cNvPicPr>
+            <a:picLocks noChangeAspect="1"/>
+          </p:cNvPicPr>
+          <p:nvPr/>
+        </p:nvPicPr>
+        <p:blipFill>
+          <a:blip r:embed="rId2"/>
+          <a:stretch>
+            <a:fillRect/>
+          </a:stretch>
+        </p:blipFill>
+        <p:spPr>
+          <a:xfrm>
+            <a:off x="1659082" y="1690688"/>
+            <a:ext cx="8794173" cy="2740213"/>
+          </a:xfrm>
+          <a:prstGeom prst="rect">
+            <a:avLst/>
+          </a:prstGeom>
+        </p:spPr>
+      </p:pic>
+      <p:pic>
+        <p:nvPicPr>
+          <p:cNvPr id="5" name="Рисунок 4"/>
+          <p:cNvPicPr>
+            <a:picLocks noChangeAspect="1"/>
+          </p:cNvPicPr>
+          <p:nvPr/>
+        </p:nvPicPr>
+        <p:blipFill>
+          <a:blip r:embed="rId3"/>
+          <a:stretch>
+            <a:fillRect/>
+          </a:stretch>
+        </p:blipFill>
+        <p:spPr>
+          <a:xfrm>
+            <a:off x="1333500" y="4070539"/>
+            <a:ext cx="4953000" cy="1685925"/>
+          </a:xfrm>
+          <a:prstGeom prst="rect">
+            <a:avLst/>
+          </a:prstGeom>
+        </p:spPr>
+      </p:pic>
+    </p:spTree>
+    <p:extLst>
+      <p:ext uri="{BB962C8B-B14F-4D97-AF65-F5344CB8AC3E}">
+        <p14:creationId xmlns:p14="http://schemas.microsoft.com/office/powerpoint/2010/main" val="2557317569"/>
+      </p:ext>
+    </p:extLst>
+  </p:cSld>
+  <p:clrMapOvr>
+    <a:masterClrMapping/>
+  </p:clrMapOvr>
+</p:sld>
+</file>
+
 <file path=ppt/slides/slide2.xml><?xml version="1.0" encoding="utf-8"?>
 <p:sld xmlns:a="http://schemas.openxmlformats.org/drawingml/2006/main" xmlns:r="http://schemas.openxmlformats.org/officeDocument/2006/relationships" xmlns:p="http://schemas.openxmlformats.org/presentationml/2006/main">
   <p:cSld>
@@ -3736,7 +3925,7 @@
         </p:blipFill>
         <p:spPr>
           <a:xfrm>
-            <a:off x="1587643" y="1690687"/>
+            <a:off x="1333709" y="2043979"/>
             <a:ext cx="10020091" cy="4647767"/>
           </a:xfrm>
           <a:prstGeom prst="rect">
@@ -3754,9 +3943,16 @@
             <p:ph type="title"/>
           </p:nvPr>
         </p:nvSpPr>
-        <p:spPr/>
-        <p:txBody>
-          <a:bodyPr/>
+        <p:spPr>
+          <a:xfrm>
+            <a:off x="838199" y="365125"/>
+            <a:ext cx="11194473" cy="1325563"/>
+          </a:xfrm>
+        </p:spPr>
+        <p:txBody>
+          <a:bodyPr>
+            <a:normAutofit fontScale="90000"/>
+          </a:bodyPr>
           <a:lstStyle/>
           <a:p>
             <a:r>
@@ -3777,11 +3973,15 @@
             </a:r>
             <a:r>
               <a:rPr lang="ru-RU" dirty="0" smtClean="0"/>
-              <a:t> . И </a:t>
-            </a:r>
-            <a:r>
-              <a:rPr lang="ru-RU" smtClean="0"/>
-              <a:t>это меняет </a:t>
+              <a:t> . И это меняет наклон прямой. Параметр </a:t>
+            </a:r>
+            <a:r>
+              <a:rPr lang="en-US" dirty="0" smtClean="0"/>
+              <a:t>b</a:t>
+            </a:r>
+            <a:r>
+              <a:rPr lang="ru-RU" dirty="0" smtClean="0"/>
+              <a:t> – будет менять наклон прямой</a:t>
             </a:r>
             <a:endParaRPr lang="ru-RU" dirty="0"/>
           </a:p>
@@ -3791,6 +3991,412 @@
     <p:extLst>
       <p:ext uri="{BB962C8B-B14F-4D97-AF65-F5344CB8AC3E}">
         <p14:creationId xmlns:p14="http://schemas.microsoft.com/office/powerpoint/2010/main" val="1643848817"/>
+      </p:ext>
+    </p:extLst>
+  </p:cSld>
+  <p:clrMapOvr>
+    <a:masterClrMapping/>
+  </p:clrMapOvr>
+</p:sld>
+</file>
+
+<file path=ppt/slides/slide5.xml><?xml version="1.0" encoding="utf-8"?>
+<p:sld xmlns:a="http://schemas.openxmlformats.org/drawingml/2006/main" xmlns:r="http://schemas.openxmlformats.org/officeDocument/2006/relationships" xmlns:p="http://schemas.openxmlformats.org/presentationml/2006/main">
+  <p:cSld>
+    <p:spTree>
+      <p:nvGrpSpPr>
+        <p:cNvPr id="1" name=""/>
+        <p:cNvGrpSpPr/>
+        <p:nvPr/>
+      </p:nvGrpSpPr>
+      <p:grpSpPr>
+        <a:xfrm>
+          <a:off x="0" y="0"/>
+          <a:ext cx="0" cy="0"/>
+          <a:chOff x="0" y="0"/>
+          <a:chExt cx="0" cy="0"/>
+        </a:xfrm>
+      </p:grpSpPr>
+      <p:sp>
+        <p:nvSpPr>
+          <p:cNvPr id="2" name="Заголовок 1"/>
+          <p:cNvSpPr>
+            <a:spLocks noGrp="1"/>
+          </p:cNvSpPr>
+          <p:nvPr>
+            <p:ph type="title"/>
+          </p:nvPr>
+        </p:nvSpPr>
+        <p:spPr/>
+        <p:txBody>
+          <a:bodyPr/>
+          <a:lstStyle/>
+          <a:p>
+            <a:r>
+              <a:rPr lang="ru-RU" dirty="0" smtClean="0"/>
+              <a:t>Пример:</a:t>
+            </a:r>
+            <a:endParaRPr lang="ru-RU" dirty="0"/>
+          </a:p>
+        </p:txBody>
+      </p:sp>
+      <p:pic>
+        <p:nvPicPr>
+          <p:cNvPr id="4" name="Объект 3"/>
+          <p:cNvPicPr>
+            <a:picLocks noGrp="1" noChangeAspect="1"/>
+          </p:cNvPicPr>
+          <p:nvPr>
+            <p:ph idx="1"/>
+          </p:nvPr>
+        </p:nvPicPr>
+        <p:blipFill>
+          <a:blip r:embed="rId2"/>
+          <a:stretch>
+            <a:fillRect/>
+          </a:stretch>
+        </p:blipFill>
+        <p:spPr>
+          <a:xfrm>
+            <a:off x="2168236" y="1027906"/>
+            <a:ext cx="7183582" cy="5213228"/>
+          </a:xfrm>
+          <a:prstGeom prst="rect">
+            <a:avLst/>
+          </a:prstGeom>
+        </p:spPr>
+      </p:pic>
+    </p:spTree>
+    <p:extLst>
+      <p:ext uri="{BB962C8B-B14F-4D97-AF65-F5344CB8AC3E}">
+        <p14:creationId xmlns:p14="http://schemas.microsoft.com/office/powerpoint/2010/main" val="3813218950"/>
+      </p:ext>
+    </p:extLst>
+  </p:cSld>
+  <p:clrMapOvr>
+    <a:masterClrMapping/>
+  </p:clrMapOvr>
+</p:sld>
+</file>
+
+<file path=ppt/slides/slide6.xml><?xml version="1.0" encoding="utf-8"?>
+<p:sld xmlns:a="http://schemas.openxmlformats.org/drawingml/2006/main" xmlns:r="http://schemas.openxmlformats.org/officeDocument/2006/relationships" xmlns:p="http://schemas.openxmlformats.org/presentationml/2006/main">
+  <p:cSld>
+    <p:spTree>
+      <p:nvGrpSpPr>
+        <p:cNvPr id="1" name=""/>
+        <p:cNvGrpSpPr/>
+        <p:nvPr/>
+      </p:nvGrpSpPr>
+      <p:grpSpPr>
+        <a:xfrm>
+          <a:off x="0" y="0"/>
+          <a:ext cx="0" cy="0"/>
+          <a:chOff x="0" y="0"/>
+          <a:chExt cx="0" cy="0"/>
+        </a:xfrm>
+      </p:grpSpPr>
+      <p:sp>
+        <p:nvSpPr>
+          <p:cNvPr id="2" name="Заголовок 1"/>
+          <p:cNvSpPr>
+            <a:spLocks noGrp="1"/>
+          </p:cNvSpPr>
+          <p:nvPr>
+            <p:ph type="title"/>
+          </p:nvPr>
+        </p:nvSpPr>
+        <p:spPr/>
+        <p:txBody>
+          <a:bodyPr/>
+          <a:lstStyle/>
+          <a:p>
+            <a:r>
+              <a:rPr lang="ru-RU" dirty="0" smtClean="0"/>
+              <a:t>Пример 2</a:t>
+            </a:r>
+            <a:endParaRPr lang="ru-RU" dirty="0"/>
+          </a:p>
+        </p:txBody>
+      </p:sp>
+      <p:pic>
+        <p:nvPicPr>
+          <p:cNvPr id="3" name="Рисунок 2"/>
+          <p:cNvPicPr>
+            <a:picLocks noChangeAspect="1"/>
+          </p:cNvPicPr>
+          <p:nvPr/>
+        </p:nvPicPr>
+        <p:blipFill>
+          <a:blip r:embed="rId2"/>
+          <a:stretch>
+            <a:fillRect/>
+          </a:stretch>
+        </p:blipFill>
+        <p:spPr>
+          <a:xfrm>
+            <a:off x="838200" y="1540019"/>
+            <a:ext cx="5562600" cy="2447925"/>
+          </a:xfrm>
+          <a:prstGeom prst="rect">
+            <a:avLst/>
+          </a:prstGeom>
+        </p:spPr>
+      </p:pic>
+      <p:pic>
+        <p:nvPicPr>
+          <p:cNvPr id="4" name="Рисунок 3"/>
+          <p:cNvPicPr>
+            <a:picLocks noChangeAspect="1"/>
+          </p:cNvPicPr>
+          <p:nvPr/>
+        </p:nvPicPr>
+        <p:blipFill>
+          <a:blip r:embed="rId3"/>
+          <a:stretch>
+            <a:fillRect/>
+          </a:stretch>
+        </p:blipFill>
+        <p:spPr>
+          <a:xfrm>
+            <a:off x="5271655" y="3948400"/>
+            <a:ext cx="5638800" cy="2428875"/>
+          </a:xfrm>
+          <a:prstGeom prst="rect">
+            <a:avLst/>
+          </a:prstGeom>
+        </p:spPr>
+      </p:pic>
+    </p:spTree>
+    <p:extLst>
+      <p:ext uri="{BB962C8B-B14F-4D97-AF65-F5344CB8AC3E}">
+        <p14:creationId xmlns:p14="http://schemas.microsoft.com/office/powerpoint/2010/main" val="321563313"/>
+      </p:ext>
+    </p:extLst>
+  </p:cSld>
+  <p:clrMapOvr>
+    <a:masterClrMapping/>
+  </p:clrMapOvr>
+</p:sld>
+</file>
+
+<file path=ppt/slides/slide7.xml><?xml version="1.0" encoding="utf-8"?>
+<p:sld xmlns:a="http://schemas.openxmlformats.org/drawingml/2006/main" xmlns:r="http://schemas.openxmlformats.org/officeDocument/2006/relationships" xmlns:p="http://schemas.openxmlformats.org/presentationml/2006/main">
+  <p:cSld>
+    <p:spTree>
+      <p:nvGrpSpPr>
+        <p:cNvPr id="1" name=""/>
+        <p:cNvGrpSpPr/>
+        <p:nvPr/>
+      </p:nvGrpSpPr>
+      <p:grpSpPr>
+        <a:xfrm>
+          <a:off x="0" y="0"/>
+          <a:ext cx="0" cy="0"/>
+          <a:chOff x="0" y="0"/>
+          <a:chExt cx="0" cy="0"/>
+        </a:xfrm>
+      </p:grpSpPr>
+      <p:sp>
+        <p:nvSpPr>
+          <p:cNvPr id="2" name="Заголовок 1"/>
+          <p:cNvSpPr>
+            <a:spLocks noGrp="1"/>
+          </p:cNvSpPr>
+          <p:nvPr>
+            <p:ph type="title"/>
+          </p:nvPr>
+        </p:nvSpPr>
+        <p:spPr/>
+        <p:txBody>
+          <a:bodyPr/>
+          <a:lstStyle/>
+          <a:p>
+            <a:r>
+              <a:rPr lang="ru-RU" dirty="0" smtClean="0"/>
+              <a:t>Этап 1</a:t>
+            </a:r>
+            <a:endParaRPr lang="ru-RU" dirty="0"/>
+          </a:p>
+        </p:txBody>
+      </p:sp>
+      <p:pic>
+        <p:nvPicPr>
+          <p:cNvPr id="3" name="Рисунок 2"/>
+          <p:cNvPicPr>
+            <a:picLocks noChangeAspect="1"/>
+          </p:cNvPicPr>
+          <p:nvPr/>
+        </p:nvPicPr>
+        <p:blipFill>
+          <a:blip r:embed="rId2"/>
+          <a:stretch>
+            <a:fillRect/>
+          </a:stretch>
+        </p:blipFill>
+        <p:spPr>
+          <a:xfrm>
+            <a:off x="1437842" y="2381683"/>
+            <a:ext cx="8246485" cy="3307110"/>
+          </a:xfrm>
+          <a:prstGeom prst="rect">
+            <a:avLst/>
+          </a:prstGeom>
+        </p:spPr>
+      </p:pic>
+    </p:spTree>
+    <p:extLst>
+      <p:ext uri="{BB962C8B-B14F-4D97-AF65-F5344CB8AC3E}">
+        <p14:creationId xmlns:p14="http://schemas.microsoft.com/office/powerpoint/2010/main" val="2433526303"/>
+      </p:ext>
+    </p:extLst>
+  </p:cSld>
+  <p:clrMapOvr>
+    <a:masterClrMapping/>
+  </p:clrMapOvr>
+</p:sld>
+</file>
+
+<file path=ppt/slides/slide8.xml><?xml version="1.0" encoding="utf-8"?>
+<p:sld xmlns:a="http://schemas.openxmlformats.org/drawingml/2006/main" xmlns:r="http://schemas.openxmlformats.org/officeDocument/2006/relationships" xmlns:p="http://schemas.openxmlformats.org/presentationml/2006/main">
+  <p:cSld>
+    <p:spTree>
+      <p:nvGrpSpPr>
+        <p:cNvPr id="1" name=""/>
+        <p:cNvGrpSpPr/>
+        <p:nvPr/>
+      </p:nvGrpSpPr>
+      <p:grpSpPr>
+        <a:xfrm>
+          <a:off x="0" y="0"/>
+          <a:ext cx="0" cy="0"/>
+          <a:chOff x="0" y="0"/>
+          <a:chExt cx="0" cy="0"/>
+        </a:xfrm>
+      </p:grpSpPr>
+      <p:sp>
+        <p:nvSpPr>
+          <p:cNvPr id="2" name="Заголовок 1"/>
+          <p:cNvSpPr>
+            <a:spLocks noGrp="1"/>
+          </p:cNvSpPr>
+          <p:nvPr>
+            <p:ph type="title"/>
+          </p:nvPr>
+        </p:nvSpPr>
+        <p:spPr/>
+        <p:txBody>
+          <a:bodyPr/>
+          <a:lstStyle/>
+          <a:p>
+            <a:r>
+              <a:rPr lang="ru-RU" dirty="0" smtClean="0"/>
+              <a:t>Этап 1. п4.</a:t>
+            </a:r>
+            <a:endParaRPr lang="ru-RU" dirty="0"/>
+          </a:p>
+        </p:txBody>
+      </p:sp>
+      <p:pic>
+        <p:nvPicPr>
+          <p:cNvPr id="3" name="Рисунок 2"/>
+          <p:cNvPicPr>
+            <a:picLocks noChangeAspect="1"/>
+          </p:cNvPicPr>
+          <p:nvPr/>
+        </p:nvPicPr>
+        <p:blipFill>
+          <a:blip r:embed="rId2"/>
+          <a:stretch>
+            <a:fillRect/>
+          </a:stretch>
+        </p:blipFill>
+        <p:spPr>
+          <a:xfrm>
+            <a:off x="3443287" y="2305050"/>
+            <a:ext cx="5305425" cy="2247900"/>
+          </a:xfrm>
+          <a:prstGeom prst="rect">
+            <a:avLst/>
+          </a:prstGeom>
+        </p:spPr>
+      </p:pic>
+    </p:spTree>
+    <p:extLst>
+      <p:ext uri="{BB962C8B-B14F-4D97-AF65-F5344CB8AC3E}">
+        <p14:creationId xmlns:p14="http://schemas.microsoft.com/office/powerpoint/2010/main" val="2553673652"/>
+      </p:ext>
+    </p:extLst>
+  </p:cSld>
+  <p:clrMapOvr>
+    <a:masterClrMapping/>
+  </p:clrMapOvr>
+</p:sld>
+</file>
+
+<file path=ppt/slides/slide9.xml><?xml version="1.0" encoding="utf-8"?>
+<p:sld xmlns:a="http://schemas.openxmlformats.org/drawingml/2006/main" xmlns:r="http://schemas.openxmlformats.org/officeDocument/2006/relationships" xmlns:p="http://schemas.openxmlformats.org/presentationml/2006/main">
+  <p:cSld>
+    <p:spTree>
+      <p:nvGrpSpPr>
+        <p:cNvPr id="1" name=""/>
+        <p:cNvGrpSpPr/>
+        <p:nvPr/>
+      </p:nvGrpSpPr>
+      <p:grpSpPr>
+        <a:xfrm>
+          <a:off x="0" y="0"/>
+          <a:ext cx="0" cy="0"/>
+          <a:chOff x="0" y="0"/>
+          <a:chExt cx="0" cy="0"/>
+        </a:xfrm>
+      </p:grpSpPr>
+      <p:sp>
+        <p:nvSpPr>
+          <p:cNvPr id="6" name="Заголовок 5"/>
+          <p:cNvSpPr>
+            <a:spLocks noGrp="1"/>
+          </p:cNvSpPr>
+          <p:nvPr>
+            <p:ph type="ctrTitle"/>
+          </p:nvPr>
+        </p:nvSpPr>
+        <p:spPr/>
+        <p:txBody>
+          <a:bodyPr/>
+          <a:lstStyle/>
+          <a:p>
+            <a:r>
+              <a:rPr lang="ru-RU" dirty="0" smtClean="0"/>
+              <a:t>Описание алгоритма</a:t>
+            </a:r>
+            <a:endParaRPr lang="ru-RU" dirty="0"/>
+          </a:p>
+        </p:txBody>
+      </p:sp>
+      <p:sp>
+        <p:nvSpPr>
+          <p:cNvPr id="7" name="Подзаголовок 6"/>
+          <p:cNvSpPr>
+            <a:spLocks noGrp="1"/>
+          </p:cNvSpPr>
+          <p:nvPr>
+            <p:ph type="subTitle" idx="1"/>
+          </p:nvPr>
+        </p:nvSpPr>
+        <p:spPr/>
+        <p:txBody>
+          <a:bodyPr/>
+          <a:lstStyle/>
+          <a:p>
+            <a:endParaRPr lang="ru-RU"/>
+          </a:p>
+        </p:txBody>
+      </p:sp>
+    </p:spTree>
+    <p:extLst>
+      <p:ext uri="{BB962C8B-B14F-4D97-AF65-F5344CB8AC3E}">
+        <p14:creationId xmlns:p14="http://schemas.microsoft.com/office/powerpoint/2010/main" val="3880995591"/>
       </p:ext>
     </p:extLst>
   </p:cSld>

--- a/Моделирование систем_/Лекции/Схемы.pptx
+++ b/Моделирование систем_/Лекции/Схемы.pptx
@@ -16,6 +16,16 @@
     <p:sldId id="265" r:id="rId10"/>
     <p:sldId id="264" r:id="rId11"/>
     <p:sldId id="266" r:id="rId12"/>
+    <p:sldId id="267" r:id="rId13"/>
+    <p:sldId id="268" r:id="rId14"/>
+    <p:sldId id="269" r:id="rId15"/>
+    <p:sldId id="270" r:id="rId16"/>
+    <p:sldId id="271" r:id="rId17"/>
+    <p:sldId id="272" r:id="rId18"/>
+    <p:sldId id="273" r:id="rId19"/>
+    <p:sldId id="274" r:id="rId20"/>
+    <p:sldId id="275" r:id="rId21"/>
+    <p:sldId id="276" r:id="rId22"/>
   </p:sldIdLst>
   <p:sldSz cx="12192000" cy="6858000"/>
   <p:notesSz cx="6858000" cy="9144000"/>
@@ -253,7 +263,7 @@
           <a:p>
             <a:fld id="{F010B017-3C11-4A71-94BE-A3878F9C0764}" type="datetimeFigureOut">
               <a:rPr lang="ru-RU" smtClean="0"/>
-              <a:t>11.11.2021</a:t>
+              <a:t>18.11.2021</a:t>
             </a:fld>
             <a:endParaRPr lang="ru-RU"/>
           </a:p>
@@ -423,7 +433,7 @@
           <a:p>
             <a:fld id="{F010B017-3C11-4A71-94BE-A3878F9C0764}" type="datetimeFigureOut">
               <a:rPr lang="ru-RU" smtClean="0"/>
-              <a:t>11.11.2021</a:t>
+              <a:t>18.11.2021</a:t>
             </a:fld>
             <a:endParaRPr lang="ru-RU"/>
           </a:p>
@@ -603,7 +613,7 @@
           <a:p>
             <a:fld id="{F010B017-3C11-4A71-94BE-A3878F9C0764}" type="datetimeFigureOut">
               <a:rPr lang="ru-RU" smtClean="0"/>
-              <a:t>11.11.2021</a:t>
+              <a:t>18.11.2021</a:t>
             </a:fld>
             <a:endParaRPr lang="ru-RU"/>
           </a:p>
@@ -773,7 +783,7 @@
           <a:p>
             <a:fld id="{F010B017-3C11-4A71-94BE-A3878F9C0764}" type="datetimeFigureOut">
               <a:rPr lang="ru-RU" smtClean="0"/>
-              <a:t>11.11.2021</a:t>
+              <a:t>18.11.2021</a:t>
             </a:fld>
             <a:endParaRPr lang="ru-RU"/>
           </a:p>
@@ -1019,7 +1029,7 @@
           <a:p>
             <a:fld id="{F010B017-3C11-4A71-94BE-A3878F9C0764}" type="datetimeFigureOut">
               <a:rPr lang="ru-RU" smtClean="0"/>
-              <a:t>11.11.2021</a:t>
+              <a:t>18.11.2021</a:t>
             </a:fld>
             <a:endParaRPr lang="ru-RU"/>
           </a:p>
@@ -1251,7 +1261,7 @@
           <a:p>
             <a:fld id="{F010B017-3C11-4A71-94BE-A3878F9C0764}" type="datetimeFigureOut">
               <a:rPr lang="ru-RU" smtClean="0"/>
-              <a:t>11.11.2021</a:t>
+              <a:t>18.11.2021</a:t>
             </a:fld>
             <a:endParaRPr lang="ru-RU"/>
           </a:p>
@@ -1618,7 +1628,7 @@
           <a:p>
             <a:fld id="{F010B017-3C11-4A71-94BE-A3878F9C0764}" type="datetimeFigureOut">
               <a:rPr lang="ru-RU" smtClean="0"/>
-              <a:t>11.11.2021</a:t>
+              <a:t>18.11.2021</a:t>
             </a:fld>
             <a:endParaRPr lang="ru-RU"/>
           </a:p>
@@ -1736,7 +1746,7 @@
           <a:p>
             <a:fld id="{F010B017-3C11-4A71-94BE-A3878F9C0764}" type="datetimeFigureOut">
               <a:rPr lang="ru-RU" smtClean="0"/>
-              <a:t>11.11.2021</a:t>
+              <a:t>18.11.2021</a:t>
             </a:fld>
             <a:endParaRPr lang="ru-RU"/>
           </a:p>
@@ -1831,7 +1841,7 @@
           <a:p>
             <a:fld id="{F010B017-3C11-4A71-94BE-A3878F9C0764}" type="datetimeFigureOut">
               <a:rPr lang="ru-RU" smtClean="0"/>
-              <a:t>11.11.2021</a:t>
+              <a:t>18.11.2021</a:t>
             </a:fld>
             <a:endParaRPr lang="ru-RU"/>
           </a:p>
@@ -2108,7 +2118,7 @@
           <a:p>
             <a:fld id="{F010B017-3C11-4A71-94BE-A3878F9C0764}" type="datetimeFigureOut">
               <a:rPr lang="ru-RU" smtClean="0"/>
-              <a:t>11.11.2021</a:t>
+              <a:t>18.11.2021</a:t>
             </a:fld>
             <a:endParaRPr lang="ru-RU"/>
           </a:p>
@@ -2361,7 +2371,7 @@
           <a:p>
             <a:fld id="{F010B017-3C11-4A71-94BE-A3878F9C0764}" type="datetimeFigureOut">
               <a:rPr lang="ru-RU" smtClean="0"/>
-              <a:t>11.11.2021</a:t>
+              <a:t>18.11.2021</a:t>
             </a:fld>
             <a:endParaRPr lang="ru-RU"/>
           </a:p>
@@ -2574,7 +2584,7 @@
           <a:p>
             <a:fld id="{F010B017-3C11-4A71-94BE-A3878F9C0764}" type="datetimeFigureOut">
               <a:rPr lang="ru-RU" smtClean="0"/>
-              <a:t>11.11.2021</a:t>
+              <a:t>18.11.2021</a:t>
             </a:fld>
             <a:endParaRPr lang="ru-RU"/>
           </a:p>
@@ -3782,6 +3792,702 @@
 </p:sld>
 </file>
 
+<file path=ppt/slides/slide12.xml><?xml version="1.0" encoding="utf-8"?>
+<p:sld xmlns:a="http://schemas.openxmlformats.org/drawingml/2006/main" xmlns:r="http://schemas.openxmlformats.org/officeDocument/2006/relationships" xmlns:p="http://schemas.openxmlformats.org/presentationml/2006/main">
+  <p:cSld>
+    <p:spTree>
+      <p:nvGrpSpPr>
+        <p:cNvPr id="1" name=""/>
+        <p:cNvGrpSpPr/>
+        <p:nvPr/>
+      </p:nvGrpSpPr>
+      <p:grpSpPr>
+        <a:xfrm>
+          <a:off x="0" y="0"/>
+          <a:ext cx="0" cy="0"/>
+          <a:chOff x="0" y="0"/>
+          <a:chExt cx="0" cy="0"/>
+        </a:xfrm>
+      </p:grpSpPr>
+      <p:sp>
+        <p:nvSpPr>
+          <p:cNvPr id="2" name="Заголовок 1"/>
+          <p:cNvSpPr>
+            <a:spLocks noGrp="1"/>
+          </p:cNvSpPr>
+          <p:nvPr>
+            <p:ph type="title"/>
+          </p:nvPr>
+        </p:nvSpPr>
+        <p:spPr/>
+        <p:txBody>
+          <a:bodyPr/>
+          <a:lstStyle/>
+          <a:p>
+            <a:r>
+              <a:rPr lang="ru-RU" dirty="0" smtClean="0"/>
+              <a:t>Шаг 5</a:t>
+            </a:r>
+            <a:endParaRPr lang="ru-RU" dirty="0"/>
+          </a:p>
+        </p:txBody>
+      </p:sp>
+      <p:pic>
+        <p:nvPicPr>
+          <p:cNvPr id="3" name="Рисунок 2"/>
+          <p:cNvPicPr>
+            <a:picLocks noChangeAspect="1"/>
+          </p:cNvPicPr>
+          <p:nvPr/>
+        </p:nvPicPr>
+        <p:blipFill>
+          <a:blip r:embed="rId2"/>
+          <a:stretch>
+            <a:fillRect/>
+          </a:stretch>
+        </p:blipFill>
+        <p:spPr>
+          <a:xfrm>
+            <a:off x="1255134" y="1690688"/>
+            <a:ext cx="6899935" cy="2153948"/>
+          </a:xfrm>
+          <a:prstGeom prst="rect">
+            <a:avLst/>
+          </a:prstGeom>
+        </p:spPr>
+      </p:pic>
+      <p:pic>
+        <p:nvPicPr>
+          <p:cNvPr id="4" name="Рисунок 3"/>
+          <p:cNvPicPr>
+            <a:picLocks noChangeAspect="1"/>
+          </p:cNvPicPr>
+          <p:nvPr/>
+        </p:nvPicPr>
+        <p:blipFill>
+          <a:blip r:embed="rId3"/>
+          <a:stretch>
+            <a:fillRect/>
+          </a:stretch>
+        </p:blipFill>
+        <p:spPr>
+          <a:xfrm>
+            <a:off x="3828616" y="3836699"/>
+            <a:ext cx="5324475" cy="2667000"/>
+          </a:xfrm>
+          <a:prstGeom prst="rect">
+            <a:avLst/>
+          </a:prstGeom>
+        </p:spPr>
+      </p:pic>
+    </p:spTree>
+    <p:extLst>
+      <p:ext uri="{BB962C8B-B14F-4D97-AF65-F5344CB8AC3E}">
+        <p14:creationId xmlns:p14="http://schemas.microsoft.com/office/powerpoint/2010/main" val="2552830388"/>
+      </p:ext>
+    </p:extLst>
+  </p:cSld>
+  <p:clrMapOvr>
+    <a:masterClrMapping/>
+  </p:clrMapOvr>
+</p:sld>
+</file>
+
+<file path=ppt/slides/slide13.xml><?xml version="1.0" encoding="utf-8"?>
+<p:sld xmlns:a="http://schemas.openxmlformats.org/drawingml/2006/main" xmlns:r="http://schemas.openxmlformats.org/officeDocument/2006/relationships" xmlns:p="http://schemas.openxmlformats.org/presentationml/2006/main">
+  <p:cSld>
+    <p:spTree>
+      <p:nvGrpSpPr>
+        <p:cNvPr id="1" name=""/>
+        <p:cNvGrpSpPr/>
+        <p:nvPr/>
+      </p:nvGrpSpPr>
+      <p:grpSpPr>
+        <a:xfrm>
+          <a:off x="0" y="0"/>
+          <a:ext cx="0" cy="0"/>
+          <a:chOff x="0" y="0"/>
+          <a:chExt cx="0" cy="0"/>
+        </a:xfrm>
+      </p:grpSpPr>
+      <p:sp>
+        <p:nvSpPr>
+          <p:cNvPr id="2" name="Заголовок 1"/>
+          <p:cNvSpPr>
+            <a:spLocks noGrp="1"/>
+          </p:cNvSpPr>
+          <p:nvPr>
+            <p:ph type="title"/>
+          </p:nvPr>
+        </p:nvSpPr>
+        <p:spPr/>
+        <p:txBody>
+          <a:bodyPr/>
+          <a:lstStyle/>
+          <a:p>
+            <a:r>
+              <a:rPr lang="ru-RU" dirty="0" smtClean="0"/>
+              <a:t>Шаг 6</a:t>
+            </a:r>
+            <a:endParaRPr lang="ru-RU" dirty="0"/>
+          </a:p>
+        </p:txBody>
+      </p:sp>
+      <p:pic>
+        <p:nvPicPr>
+          <p:cNvPr id="3" name="Рисунок 2"/>
+          <p:cNvPicPr>
+            <a:picLocks noChangeAspect="1"/>
+          </p:cNvPicPr>
+          <p:nvPr/>
+        </p:nvPicPr>
+        <p:blipFill>
+          <a:blip r:embed="rId2"/>
+          <a:stretch>
+            <a:fillRect/>
+          </a:stretch>
+        </p:blipFill>
+        <p:spPr>
+          <a:xfrm>
+            <a:off x="838200" y="1344757"/>
+            <a:ext cx="5476875" cy="2381250"/>
+          </a:xfrm>
+          <a:prstGeom prst="rect">
+            <a:avLst/>
+          </a:prstGeom>
+        </p:spPr>
+      </p:pic>
+      <p:pic>
+        <p:nvPicPr>
+          <p:cNvPr id="4" name="Рисунок 3"/>
+          <p:cNvPicPr>
+            <a:picLocks noChangeAspect="1"/>
+          </p:cNvPicPr>
+          <p:nvPr/>
+        </p:nvPicPr>
+        <p:blipFill>
+          <a:blip r:embed="rId3"/>
+          <a:stretch>
+            <a:fillRect/>
+          </a:stretch>
+        </p:blipFill>
+        <p:spPr>
+          <a:xfrm>
+            <a:off x="4880696" y="2576658"/>
+            <a:ext cx="5381625" cy="3105150"/>
+          </a:xfrm>
+          <a:prstGeom prst="rect">
+            <a:avLst/>
+          </a:prstGeom>
+        </p:spPr>
+      </p:pic>
+    </p:spTree>
+    <p:extLst>
+      <p:ext uri="{BB962C8B-B14F-4D97-AF65-F5344CB8AC3E}">
+        <p14:creationId xmlns:p14="http://schemas.microsoft.com/office/powerpoint/2010/main" val="2777762262"/>
+      </p:ext>
+    </p:extLst>
+  </p:cSld>
+  <p:clrMapOvr>
+    <a:masterClrMapping/>
+  </p:clrMapOvr>
+</p:sld>
+</file>
+
+<file path=ppt/slides/slide14.xml><?xml version="1.0" encoding="utf-8"?>
+<p:sld xmlns:a="http://schemas.openxmlformats.org/drawingml/2006/main" xmlns:r="http://schemas.openxmlformats.org/officeDocument/2006/relationships" xmlns:p="http://schemas.openxmlformats.org/presentationml/2006/main">
+  <p:cSld>
+    <p:spTree>
+      <p:nvGrpSpPr>
+        <p:cNvPr id="1" name=""/>
+        <p:cNvGrpSpPr/>
+        <p:nvPr/>
+      </p:nvGrpSpPr>
+      <p:grpSpPr>
+        <a:xfrm>
+          <a:off x="0" y="0"/>
+          <a:ext cx="0" cy="0"/>
+          <a:chOff x="0" y="0"/>
+          <a:chExt cx="0" cy="0"/>
+        </a:xfrm>
+      </p:grpSpPr>
+      <p:sp>
+        <p:nvSpPr>
+          <p:cNvPr id="2" name="Заголовок 1"/>
+          <p:cNvSpPr>
+            <a:spLocks noGrp="1"/>
+          </p:cNvSpPr>
+          <p:nvPr>
+            <p:ph type="title"/>
+          </p:nvPr>
+        </p:nvSpPr>
+        <p:spPr/>
+        <p:txBody>
+          <a:bodyPr/>
+          <a:lstStyle/>
+          <a:p>
+            <a:r>
+              <a:rPr lang="ru-RU" dirty="0" smtClean="0"/>
+              <a:t>Шаг 7 </a:t>
+            </a:r>
+            <a:endParaRPr lang="ru-RU" dirty="0"/>
+          </a:p>
+        </p:txBody>
+      </p:sp>
+      <p:pic>
+        <p:nvPicPr>
+          <p:cNvPr id="3" name="Рисунок 2"/>
+          <p:cNvPicPr>
+            <a:picLocks noChangeAspect="1"/>
+          </p:cNvPicPr>
+          <p:nvPr/>
+        </p:nvPicPr>
+        <p:blipFill>
+          <a:blip r:embed="rId2"/>
+          <a:stretch>
+            <a:fillRect/>
+          </a:stretch>
+        </p:blipFill>
+        <p:spPr>
+          <a:xfrm>
+            <a:off x="494434" y="1690688"/>
+            <a:ext cx="5010150" cy="2390775"/>
+          </a:xfrm>
+          <a:prstGeom prst="rect">
+            <a:avLst/>
+          </a:prstGeom>
+        </p:spPr>
+      </p:pic>
+      <p:pic>
+        <p:nvPicPr>
+          <p:cNvPr id="4" name="Рисунок 3"/>
+          <p:cNvPicPr>
+            <a:picLocks noChangeAspect="1"/>
+          </p:cNvPicPr>
+          <p:nvPr/>
+        </p:nvPicPr>
+        <p:blipFill>
+          <a:blip r:embed="rId3"/>
+          <a:stretch>
+            <a:fillRect/>
+          </a:stretch>
+        </p:blipFill>
+        <p:spPr>
+          <a:xfrm>
+            <a:off x="5504584" y="1533525"/>
+            <a:ext cx="5553075" cy="2705100"/>
+          </a:xfrm>
+          <a:prstGeom prst="rect">
+            <a:avLst/>
+          </a:prstGeom>
+        </p:spPr>
+      </p:pic>
+      <p:pic>
+        <p:nvPicPr>
+          <p:cNvPr id="5" name="Рисунок 4"/>
+          <p:cNvPicPr>
+            <a:picLocks noChangeAspect="1"/>
+          </p:cNvPicPr>
+          <p:nvPr/>
+        </p:nvPicPr>
+        <p:blipFill>
+          <a:blip r:embed="rId4"/>
+          <a:stretch>
+            <a:fillRect/>
+          </a:stretch>
+        </p:blipFill>
+        <p:spPr>
+          <a:xfrm>
+            <a:off x="3533775" y="4238625"/>
+            <a:ext cx="5124450" cy="2105025"/>
+          </a:xfrm>
+          <a:prstGeom prst="rect">
+            <a:avLst/>
+          </a:prstGeom>
+        </p:spPr>
+      </p:pic>
+    </p:spTree>
+    <p:extLst>
+      <p:ext uri="{BB962C8B-B14F-4D97-AF65-F5344CB8AC3E}">
+        <p14:creationId xmlns:p14="http://schemas.microsoft.com/office/powerpoint/2010/main" val="26053404"/>
+      </p:ext>
+    </p:extLst>
+  </p:cSld>
+  <p:clrMapOvr>
+    <a:masterClrMapping/>
+  </p:clrMapOvr>
+</p:sld>
+</file>
+
+<file path=ppt/slides/slide15.xml><?xml version="1.0" encoding="utf-8"?>
+<p:sld xmlns:a="http://schemas.openxmlformats.org/drawingml/2006/main" xmlns:r="http://schemas.openxmlformats.org/officeDocument/2006/relationships" xmlns:p="http://schemas.openxmlformats.org/presentationml/2006/main">
+  <p:cSld>
+    <p:spTree>
+      <p:nvGrpSpPr>
+        <p:cNvPr id="1" name=""/>
+        <p:cNvGrpSpPr/>
+        <p:nvPr/>
+      </p:nvGrpSpPr>
+      <p:grpSpPr>
+        <a:xfrm>
+          <a:off x="0" y="0"/>
+          <a:ext cx="0" cy="0"/>
+          <a:chOff x="0" y="0"/>
+          <a:chExt cx="0" cy="0"/>
+        </a:xfrm>
+      </p:grpSpPr>
+      <p:sp>
+        <p:nvSpPr>
+          <p:cNvPr id="2" name="Заголовок 1"/>
+          <p:cNvSpPr>
+            <a:spLocks noGrp="1"/>
+          </p:cNvSpPr>
+          <p:nvPr>
+            <p:ph type="title"/>
+          </p:nvPr>
+        </p:nvSpPr>
+        <p:spPr/>
+        <p:txBody>
+          <a:bodyPr/>
+          <a:lstStyle/>
+          <a:p>
+            <a:r>
+              <a:rPr lang="ru-RU" dirty="0" smtClean="0"/>
+              <a:t>Шаг 8 </a:t>
+            </a:r>
+            <a:endParaRPr lang="ru-RU" dirty="0"/>
+          </a:p>
+        </p:txBody>
+      </p:sp>
+      <p:pic>
+        <p:nvPicPr>
+          <p:cNvPr id="3" name="Рисунок 2"/>
+          <p:cNvPicPr>
+            <a:picLocks noChangeAspect="1"/>
+          </p:cNvPicPr>
+          <p:nvPr/>
+        </p:nvPicPr>
+        <p:blipFill>
+          <a:blip r:embed="rId2"/>
+          <a:stretch>
+            <a:fillRect/>
+          </a:stretch>
+        </p:blipFill>
+        <p:spPr>
+          <a:xfrm>
+            <a:off x="1199283" y="1477673"/>
+            <a:ext cx="8547389" cy="4218372"/>
+          </a:xfrm>
+          <a:prstGeom prst="rect">
+            <a:avLst/>
+          </a:prstGeom>
+        </p:spPr>
+      </p:pic>
+    </p:spTree>
+    <p:extLst>
+      <p:ext uri="{BB962C8B-B14F-4D97-AF65-F5344CB8AC3E}">
+        <p14:creationId xmlns:p14="http://schemas.microsoft.com/office/powerpoint/2010/main" val="2921769233"/>
+      </p:ext>
+    </p:extLst>
+  </p:cSld>
+  <p:clrMapOvr>
+    <a:masterClrMapping/>
+  </p:clrMapOvr>
+</p:sld>
+</file>
+
+<file path=ppt/slides/slide16.xml><?xml version="1.0" encoding="utf-8"?>
+<p:sld xmlns:a="http://schemas.openxmlformats.org/drawingml/2006/main" xmlns:r="http://schemas.openxmlformats.org/officeDocument/2006/relationships" xmlns:p="http://schemas.openxmlformats.org/presentationml/2006/main">
+  <p:cSld>
+    <p:spTree>
+      <p:nvGrpSpPr>
+        <p:cNvPr id="1" name=""/>
+        <p:cNvGrpSpPr/>
+        <p:nvPr/>
+      </p:nvGrpSpPr>
+      <p:grpSpPr>
+        <a:xfrm>
+          <a:off x="0" y="0"/>
+          <a:ext cx="0" cy="0"/>
+          <a:chOff x="0" y="0"/>
+          <a:chExt cx="0" cy="0"/>
+        </a:xfrm>
+      </p:grpSpPr>
+      <p:sp>
+        <p:nvSpPr>
+          <p:cNvPr id="2" name="Заголовок 1"/>
+          <p:cNvSpPr>
+            <a:spLocks noGrp="1"/>
+          </p:cNvSpPr>
+          <p:nvPr>
+            <p:ph type="title"/>
+          </p:nvPr>
+        </p:nvSpPr>
+        <p:spPr/>
+        <p:txBody>
+          <a:bodyPr/>
+          <a:lstStyle/>
+          <a:p>
+            <a:endParaRPr lang="ru-RU"/>
+          </a:p>
+        </p:txBody>
+      </p:sp>
+      <p:pic>
+        <p:nvPicPr>
+          <p:cNvPr id="3" name="Рисунок 2"/>
+          <p:cNvPicPr>
+            <a:picLocks noChangeAspect="1"/>
+          </p:cNvPicPr>
+          <p:nvPr/>
+        </p:nvPicPr>
+        <p:blipFill>
+          <a:blip r:embed="rId2"/>
+          <a:stretch>
+            <a:fillRect/>
+          </a:stretch>
+        </p:blipFill>
+        <p:spPr>
+          <a:xfrm>
+            <a:off x="1708005" y="1914958"/>
+            <a:ext cx="7298333" cy="3924733"/>
+          </a:xfrm>
+          <a:prstGeom prst="rect">
+            <a:avLst/>
+          </a:prstGeom>
+        </p:spPr>
+      </p:pic>
+    </p:spTree>
+    <p:extLst>
+      <p:ext uri="{BB962C8B-B14F-4D97-AF65-F5344CB8AC3E}">
+        <p14:creationId xmlns:p14="http://schemas.microsoft.com/office/powerpoint/2010/main" val="2850116980"/>
+      </p:ext>
+    </p:extLst>
+  </p:cSld>
+  <p:clrMapOvr>
+    <a:masterClrMapping/>
+  </p:clrMapOvr>
+</p:sld>
+</file>
+
+<file path=ppt/slides/slide17.xml><?xml version="1.0" encoding="utf-8"?>
+<p:sld xmlns:a="http://schemas.openxmlformats.org/drawingml/2006/main" xmlns:r="http://schemas.openxmlformats.org/officeDocument/2006/relationships" xmlns:p="http://schemas.openxmlformats.org/presentationml/2006/main">
+  <p:cSld>
+    <p:spTree>
+      <p:nvGrpSpPr>
+        <p:cNvPr id="1" name=""/>
+        <p:cNvGrpSpPr/>
+        <p:nvPr/>
+      </p:nvGrpSpPr>
+      <p:grpSpPr>
+        <a:xfrm>
+          <a:off x="0" y="0"/>
+          <a:ext cx="0" cy="0"/>
+          <a:chOff x="0" y="0"/>
+          <a:chExt cx="0" cy="0"/>
+        </a:xfrm>
+      </p:grpSpPr>
+      <p:sp>
+        <p:nvSpPr>
+          <p:cNvPr id="2" name="Заголовок 1"/>
+          <p:cNvSpPr>
+            <a:spLocks noGrp="1"/>
+          </p:cNvSpPr>
+          <p:nvPr>
+            <p:ph type="title"/>
+          </p:nvPr>
+        </p:nvSpPr>
+        <p:spPr/>
+        <p:txBody>
+          <a:bodyPr/>
+          <a:lstStyle/>
+          <a:p>
+            <a:endParaRPr lang="ru-RU"/>
+          </a:p>
+        </p:txBody>
+      </p:sp>
+      <p:pic>
+        <p:nvPicPr>
+          <p:cNvPr id="3" name="Рисунок 2"/>
+          <p:cNvPicPr>
+            <a:picLocks noChangeAspect="1"/>
+          </p:cNvPicPr>
+          <p:nvPr/>
+        </p:nvPicPr>
+        <p:blipFill>
+          <a:blip r:embed="rId2"/>
+          <a:stretch>
+            <a:fillRect/>
+          </a:stretch>
+        </p:blipFill>
+        <p:spPr>
+          <a:xfrm>
+            <a:off x="3389169" y="2083810"/>
+            <a:ext cx="7403758" cy="4192299"/>
+          </a:xfrm>
+          <a:prstGeom prst="rect">
+            <a:avLst/>
+          </a:prstGeom>
+        </p:spPr>
+      </p:pic>
+    </p:spTree>
+    <p:extLst>
+      <p:ext uri="{BB962C8B-B14F-4D97-AF65-F5344CB8AC3E}">
+        <p14:creationId xmlns:p14="http://schemas.microsoft.com/office/powerpoint/2010/main" val="330273454"/>
+      </p:ext>
+    </p:extLst>
+  </p:cSld>
+  <p:clrMapOvr>
+    <a:masterClrMapping/>
+  </p:clrMapOvr>
+</p:sld>
+</file>
+
+<file path=ppt/slides/slide18.xml><?xml version="1.0" encoding="utf-8"?>
+<p:sld xmlns:a="http://schemas.openxmlformats.org/drawingml/2006/main" xmlns:r="http://schemas.openxmlformats.org/officeDocument/2006/relationships" xmlns:p="http://schemas.openxmlformats.org/presentationml/2006/main">
+  <p:cSld>
+    <p:spTree>
+      <p:nvGrpSpPr>
+        <p:cNvPr id="1" name=""/>
+        <p:cNvGrpSpPr/>
+        <p:nvPr/>
+      </p:nvGrpSpPr>
+      <p:grpSpPr>
+        <a:xfrm>
+          <a:off x="0" y="0"/>
+          <a:ext cx="0" cy="0"/>
+          <a:chOff x="0" y="0"/>
+          <a:chExt cx="0" cy="0"/>
+        </a:xfrm>
+      </p:grpSpPr>
+      <p:sp>
+        <p:nvSpPr>
+          <p:cNvPr id="2" name="Заголовок 1"/>
+          <p:cNvSpPr>
+            <a:spLocks noGrp="1"/>
+          </p:cNvSpPr>
+          <p:nvPr>
+            <p:ph type="title"/>
+          </p:nvPr>
+        </p:nvSpPr>
+        <p:spPr/>
+        <p:txBody>
+          <a:bodyPr/>
+          <a:lstStyle/>
+          <a:p>
+            <a:endParaRPr lang="ru-RU"/>
+          </a:p>
+        </p:txBody>
+      </p:sp>
+      <p:pic>
+        <p:nvPicPr>
+          <p:cNvPr id="3" name="Рисунок 2"/>
+          <p:cNvPicPr>
+            <a:picLocks noChangeAspect="1"/>
+          </p:cNvPicPr>
+          <p:nvPr/>
+        </p:nvPicPr>
+        <p:blipFill>
+          <a:blip r:embed="rId2"/>
+          <a:stretch>
+            <a:fillRect/>
+          </a:stretch>
+        </p:blipFill>
+        <p:spPr>
+          <a:xfrm>
+            <a:off x="2468706" y="1879021"/>
+            <a:ext cx="6903893" cy="4698985"/>
+          </a:xfrm>
+          <a:prstGeom prst="rect">
+            <a:avLst/>
+          </a:prstGeom>
+        </p:spPr>
+      </p:pic>
+    </p:spTree>
+    <p:extLst>
+      <p:ext uri="{BB962C8B-B14F-4D97-AF65-F5344CB8AC3E}">
+        <p14:creationId xmlns:p14="http://schemas.microsoft.com/office/powerpoint/2010/main" val="1112793490"/>
+      </p:ext>
+    </p:extLst>
+  </p:cSld>
+  <p:clrMapOvr>
+    <a:masterClrMapping/>
+  </p:clrMapOvr>
+</p:sld>
+</file>
+
+<file path=ppt/slides/slide19.xml><?xml version="1.0" encoding="utf-8"?>
+<p:sld xmlns:a="http://schemas.openxmlformats.org/drawingml/2006/main" xmlns:r="http://schemas.openxmlformats.org/officeDocument/2006/relationships" xmlns:p="http://schemas.openxmlformats.org/presentationml/2006/main">
+  <p:cSld>
+    <p:spTree>
+      <p:nvGrpSpPr>
+        <p:cNvPr id="1" name=""/>
+        <p:cNvGrpSpPr/>
+        <p:nvPr/>
+      </p:nvGrpSpPr>
+      <p:grpSpPr>
+        <a:xfrm>
+          <a:off x="0" y="0"/>
+          <a:ext cx="0" cy="0"/>
+          <a:chOff x="0" y="0"/>
+          <a:chExt cx="0" cy="0"/>
+        </a:xfrm>
+      </p:grpSpPr>
+      <p:sp>
+        <p:nvSpPr>
+          <p:cNvPr id="2" name="Заголовок 1"/>
+          <p:cNvSpPr>
+            <a:spLocks noGrp="1"/>
+          </p:cNvSpPr>
+          <p:nvPr>
+            <p:ph type="title"/>
+          </p:nvPr>
+        </p:nvSpPr>
+        <p:spPr/>
+        <p:txBody>
+          <a:bodyPr/>
+          <a:lstStyle/>
+          <a:p>
+            <a:endParaRPr lang="ru-RU"/>
+          </a:p>
+        </p:txBody>
+      </p:sp>
+      <p:pic>
+        <p:nvPicPr>
+          <p:cNvPr id="3" name="Рисунок 2"/>
+          <p:cNvPicPr>
+            <a:picLocks noChangeAspect="1"/>
+          </p:cNvPicPr>
+          <p:nvPr/>
+        </p:nvPicPr>
+        <p:blipFill>
+          <a:blip r:embed="rId2"/>
+          <a:stretch>
+            <a:fillRect/>
+          </a:stretch>
+        </p:blipFill>
+        <p:spPr>
+          <a:xfrm>
+            <a:off x="838200" y="1690688"/>
+            <a:ext cx="10439121" cy="4793239"/>
+          </a:xfrm>
+          <a:prstGeom prst="rect">
+            <a:avLst/>
+          </a:prstGeom>
+        </p:spPr>
+      </p:pic>
+    </p:spTree>
+    <p:extLst>
+      <p:ext uri="{BB962C8B-B14F-4D97-AF65-F5344CB8AC3E}">
+        <p14:creationId xmlns:p14="http://schemas.microsoft.com/office/powerpoint/2010/main" val="1356048838"/>
+      </p:ext>
+    </p:extLst>
+  </p:cSld>
+  <p:clrMapOvr>
+    <a:masterClrMapping/>
+  </p:clrMapOvr>
+</p:sld>
+</file>
+
 <file path=ppt/slides/slide2.xml><?xml version="1.0" encoding="utf-8"?>
 <p:sld xmlns:a="http://schemas.openxmlformats.org/drawingml/2006/main" xmlns:r="http://schemas.openxmlformats.org/officeDocument/2006/relationships" xmlns:p="http://schemas.openxmlformats.org/presentationml/2006/main">
   <p:cSld>
@@ -3829,6 +4535,152 @@
     <p:extLst>
       <p:ext uri="{BB962C8B-B14F-4D97-AF65-F5344CB8AC3E}">
         <p14:creationId xmlns:p14="http://schemas.microsoft.com/office/powerpoint/2010/main" val="3826077350"/>
+      </p:ext>
+    </p:extLst>
+  </p:cSld>
+  <p:clrMapOvr>
+    <a:masterClrMapping/>
+  </p:clrMapOvr>
+</p:sld>
+</file>
+
+<file path=ppt/slides/slide20.xml><?xml version="1.0" encoding="utf-8"?>
+<p:sld xmlns:a="http://schemas.openxmlformats.org/drawingml/2006/main" xmlns:r="http://schemas.openxmlformats.org/officeDocument/2006/relationships" xmlns:p="http://schemas.openxmlformats.org/presentationml/2006/main">
+  <p:cSld>
+    <p:spTree>
+      <p:nvGrpSpPr>
+        <p:cNvPr id="1" name=""/>
+        <p:cNvGrpSpPr/>
+        <p:nvPr/>
+      </p:nvGrpSpPr>
+      <p:grpSpPr>
+        <a:xfrm>
+          <a:off x="0" y="0"/>
+          <a:ext cx="0" cy="0"/>
+          <a:chOff x="0" y="0"/>
+          <a:chExt cx="0" cy="0"/>
+        </a:xfrm>
+      </p:grpSpPr>
+      <p:sp>
+        <p:nvSpPr>
+          <p:cNvPr id="2" name="Заголовок 1"/>
+          <p:cNvSpPr>
+            <a:spLocks noGrp="1"/>
+          </p:cNvSpPr>
+          <p:nvPr>
+            <p:ph type="title"/>
+          </p:nvPr>
+        </p:nvSpPr>
+        <p:spPr/>
+        <p:txBody>
+          <a:bodyPr/>
+          <a:lstStyle/>
+          <a:p>
+            <a:endParaRPr lang="ru-RU"/>
+          </a:p>
+        </p:txBody>
+      </p:sp>
+      <p:pic>
+        <p:nvPicPr>
+          <p:cNvPr id="3" name="Рисунок 2"/>
+          <p:cNvPicPr>
+            <a:picLocks noChangeAspect="1"/>
+          </p:cNvPicPr>
+          <p:nvPr/>
+        </p:nvPicPr>
+        <p:blipFill>
+          <a:blip r:embed="rId2"/>
+          <a:stretch>
+            <a:fillRect/>
+          </a:stretch>
+        </p:blipFill>
+        <p:spPr>
+          <a:xfrm>
+            <a:off x="1456026" y="1374198"/>
+            <a:ext cx="10302270" cy="5026602"/>
+          </a:xfrm>
+          <a:prstGeom prst="rect">
+            <a:avLst/>
+          </a:prstGeom>
+        </p:spPr>
+      </p:pic>
+    </p:spTree>
+    <p:extLst>
+      <p:ext uri="{BB962C8B-B14F-4D97-AF65-F5344CB8AC3E}">
+        <p14:creationId xmlns:p14="http://schemas.microsoft.com/office/powerpoint/2010/main" val="3941029454"/>
+      </p:ext>
+    </p:extLst>
+  </p:cSld>
+  <p:clrMapOvr>
+    <a:masterClrMapping/>
+  </p:clrMapOvr>
+</p:sld>
+</file>
+
+<file path=ppt/slides/slide21.xml><?xml version="1.0" encoding="utf-8"?>
+<p:sld xmlns:a="http://schemas.openxmlformats.org/drawingml/2006/main" xmlns:r="http://schemas.openxmlformats.org/officeDocument/2006/relationships" xmlns:p="http://schemas.openxmlformats.org/presentationml/2006/main">
+  <p:cSld>
+    <p:spTree>
+      <p:nvGrpSpPr>
+        <p:cNvPr id="1" name=""/>
+        <p:cNvGrpSpPr/>
+        <p:nvPr/>
+      </p:nvGrpSpPr>
+      <p:grpSpPr>
+        <a:xfrm>
+          <a:off x="0" y="0"/>
+          <a:ext cx="0" cy="0"/>
+          <a:chOff x="0" y="0"/>
+          <a:chExt cx="0" cy="0"/>
+        </a:xfrm>
+      </p:grpSpPr>
+      <p:sp>
+        <p:nvSpPr>
+          <p:cNvPr id="2" name="Заголовок 1"/>
+          <p:cNvSpPr>
+            <a:spLocks noGrp="1"/>
+          </p:cNvSpPr>
+          <p:nvPr>
+            <p:ph type="title"/>
+          </p:nvPr>
+        </p:nvSpPr>
+        <p:spPr/>
+        <p:txBody>
+          <a:bodyPr/>
+          <a:lstStyle/>
+          <a:p>
+            <a:endParaRPr lang="ru-RU"/>
+          </a:p>
+        </p:txBody>
+      </p:sp>
+      <p:pic>
+        <p:nvPicPr>
+          <p:cNvPr id="3" name="Рисунок 2"/>
+          <p:cNvPicPr>
+            <a:picLocks noChangeAspect="1"/>
+          </p:cNvPicPr>
+          <p:nvPr/>
+        </p:nvPicPr>
+        <p:blipFill>
+          <a:blip r:embed="rId2"/>
+          <a:stretch>
+            <a:fillRect/>
+          </a:stretch>
+        </p:blipFill>
+        <p:spPr>
+          <a:xfrm>
+            <a:off x="464127" y="1690688"/>
+            <a:ext cx="9720982" cy="4479276"/>
+          </a:xfrm>
+          <a:prstGeom prst="rect">
+            <a:avLst/>
+          </a:prstGeom>
+        </p:spPr>
+      </p:pic>
+    </p:spTree>
+    <p:extLst>
+      <p:ext uri="{BB962C8B-B14F-4D97-AF65-F5344CB8AC3E}">
+        <p14:creationId xmlns:p14="http://schemas.microsoft.com/office/powerpoint/2010/main" val="876195134"/>
       </p:ext>
     </p:extLst>
   </p:cSld>

--- a/Моделирование систем_/Лекции/Схемы.pptx
+++ b/Моделирование систем_/Лекции/Схемы.pptx
@@ -26,6 +26,16 @@
     <p:sldId id="274" r:id="rId20"/>
     <p:sldId id="275" r:id="rId21"/>
     <p:sldId id="276" r:id="rId22"/>
+    <p:sldId id="277" r:id="rId23"/>
+    <p:sldId id="278" r:id="rId24"/>
+    <p:sldId id="279" r:id="rId25"/>
+    <p:sldId id="280" r:id="rId26"/>
+    <p:sldId id="281" r:id="rId27"/>
+    <p:sldId id="282" r:id="rId28"/>
+    <p:sldId id="283" r:id="rId29"/>
+    <p:sldId id="284" r:id="rId30"/>
+    <p:sldId id="285" r:id="rId31"/>
+    <p:sldId id="286" r:id="rId32"/>
   </p:sldIdLst>
   <p:sldSz cx="12192000" cy="6858000"/>
   <p:notesSz cx="6858000" cy="9144000"/>
@@ -263,7 +273,7 @@
           <a:p>
             <a:fld id="{F010B017-3C11-4A71-94BE-A3878F9C0764}" type="datetimeFigureOut">
               <a:rPr lang="ru-RU" smtClean="0"/>
-              <a:t>18.11.2021</a:t>
+              <a:t>25.11.2021</a:t>
             </a:fld>
             <a:endParaRPr lang="ru-RU"/>
           </a:p>
@@ -433,7 +443,7 @@
           <a:p>
             <a:fld id="{F010B017-3C11-4A71-94BE-A3878F9C0764}" type="datetimeFigureOut">
               <a:rPr lang="ru-RU" smtClean="0"/>
-              <a:t>18.11.2021</a:t>
+              <a:t>25.11.2021</a:t>
             </a:fld>
             <a:endParaRPr lang="ru-RU"/>
           </a:p>
@@ -613,7 +623,7 @@
           <a:p>
             <a:fld id="{F010B017-3C11-4A71-94BE-A3878F9C0764}" type="datetimeFigureOut">
               <a:rPr lang="ru-RU" smtClean="0"/>
-              <a:t>18.11.2021</a:t>
+              <a:t>25.11.2021</a:t>
             </a:fld>
             <a:endParaRPr lang="ru-RU"/>
           </a:p>
@@ -783,7 +793,7 @@
           <a:p>
             <a:fld id="{F010B017-3C11-4A71-94BE-A3878F9C0764}" type="datetimeFigureOut">
               <a:rPr lang="ru-RU" smtClean="0"/>
-              <a:t>18.11.2021</a:t>
+              <a:t>25.11.2021</a:t>
             </a:fld>
             <a:endParaRPr lang="ru-RU"/>
           </a:p>
@@ -1029,7 +1039,7 @@
           <a:p>
             <a:fld id="{F010B017-3C11-4A71-94BE-A3878F9C0764}" type="datetimeFigureOut">
               <a:rPr lang="ru-RU" smtClean="0"/>
-              <a:t>18.11.2021</a:t>
+              <a:t>25.11.2021</a:t>
             </a:fld>
             <a:endParaRPr lang="ru-RU"/>
           </a:p>
@@ -1261,7 +1271,7 @@
           <a:p>
             <a:fld id="{F010B017-3C11-4A71-94BE-A3878F9C0764}" type="datetimeFigureOut">
               <a:rPr lang="ru-RU" smtClean="0"/>
-              <a:t>18.11.2021</a:t>
+              <a:t>25.11.2021</a:t>
             </a:fld>
             <a:endParaRPr lang="ru-RU"/>
           </a:p>
@@ -1628,7 +1638,7 @@
           <a:p>
             <a:fld id="{F010B017-3C11-4A71-94BE-A3878F9C0764}" type="datetimeFigureOut">
               <a:rPr lang="ru-RU" smtClean="0"/>
-              <a:t>18.11.2021</a:t>
+              <a:t>25.11.2021</a:t>
             </a:fld>
             <a:endParaRPr lang="ru-RU"/>
           </a:p>
@@ -1746,7 +1756,7 @@
           <a:p>
             <a:fld id="{F010B017-3C11-4A71-94BE-A3878F9C0764}" type="datetimeFigureOut">
               <a:rPr lang="ru-RU" smtClean="0"/>
-              <a:t>18.11.2021</a:t>
+              <a:t>25.11.2021</a:t>
             </a:fld>
             <a:endParaRPr lang="ru-RU"/>
           </a:p>
@@ -1841,7 +1851,7 @@
           <a:p>
             <a:fld id="{F010B017-3C11-4A71-94BE-A3878F9C0764}" type="datetimeFigureOut">
               <a:rPr lang="ru-RU" smtClean="0"/>
-              <a:t>18.11.2021</a:t>
+              <a:t>25.11.2021</a:t>
             </a:fld>
             <a:endParaRPr lang="ru-RU"/>
           </a:p>
@@ -2118,7 +2128,7 @@
           <a:p>
             <a:fld id="{F010B017-3C11-4A71-94BE-A3878F9C0764}" type="datetimeFigureOut">
               <a:rPr lang="ru-RU" smtClean="0"/>
-              <a:t>18.11.2021</a:t>
+              <a:t>25.11.2021</a:t>
             </a:fld>
             <a:endParaRPr lang="ru-RU"/>
           </a:p>
@@ -2371,7 +2381,7 @@
           <a:p>
             <a:fld id="{F010B017-3C11-4A71-94BE-A3878F9C0764}" type="datetimeFigureOut">
               <a:rPr lang="ru-RU" smtClean="0"/>
-              <a:t>18.11.2021</a:t>
+              <a:t>25.11.2021</a:t>
             </a:fld>
             <a:endParaRPr lang="ru-RU"/>
           </a:p>
@@ -2584,7 +2594,7 @@
           <a:p>
             <a:fld id="{F010B017-3C11-4A71-94BE-A3878F9C0764}" type="datetimeFigureOut">
               <a:rPr lang="ru-RU" smtClean="0"/>
-              <a:t>18.11.2021</a:t>
+              <a:t>25.11.2021</a:t>
             </a:fld>
             <a:endParaRPr lang="ru-RU"/>
           </a:p>
@@ -4690,6 +4700,598 @@
 </p:sld>
 </file>
 
+<file path=ppt/slides/slide22.xml><?xml version="1.0" encoding="utf-8"?>
+<p:sld xmlns:a="http://schemas.openxmlformats.org/drawingml/2006/main" xmlns:r="http://schemas.openxmlformats.org/officeDocument/2006/relationships" xmlns:p="http://schemas.openxmlformats.org/presentationml/2006/main">
+  <p:cSld>
+    <p:spTree>
+      <p:nvGrpSpPr>
+        <p:cNvPr id="1" name=""/>
+        <p:cNvGrpSpPr/>
+        <p:nvPr/>
+      </p:nvGrpSpPr>
+      <p:grpSpPr>
+        <a:xfrm>
+          <a:off x="0" y="0"/>
+          <a:ext cx="0" cy="0"/>
+          <a:chOff x="0" y="0"/>
+          <a:chExt cx="0" cy="0"/>
+        </a:xfrm>
+      </p:grpSpPr>
+      <p:sp>
+        <p:nvSpPr>
+          <p:cNvPr id="2" name="Заголовок 1"/>
+          <p:cNvSpPr>
+            <a:spLocks noGrp="1"/>
+          </p:cNvSpPr>
+          <p:nvPr>
+            <p:ph type="title"/>
+          </p:nvPr>
+        </p:nvSpPr>
+        <p:spPr/>
+        <p:txBody>
+          <a:bodyPr/>
+          <a:lstStyle/>
+          <a:p>
+            <a:r>
+              <a:rPr lang="ru-RU" dirty="0" smtClean="0"/>
+              <a:t>25.11.2021 бинарный генетический алгоритм</a:t>
+            </a:r>
+            <a:endParaRPr lang="ru-RU" dirty="0"/>
+          </a:p>
+        </p:txBody>
+      </p:sp>
+      <p:pic>
+        <p:nvPicPr>
+          <p:cNvPr id="3" name="Рисунок 2"/>
+          <p:cNvPicPr>
+            <a:picLocks noChangeAspect="1"/>
+          </p:cNvPicPr>
+          <p:nvPr/>
+        </p:nvPicPr>
+        <p:blipFill>
+          <a:blip r:embed="rId2"/>
+          <a:stretch>
+            <a:fillRect/>
+          </a:stretch>
+        </p:blipFill>
+        <p:spPr>
+          <a:xfrm>
+            <a:off x="1907888" y="1945520"/>
+            <a:ext cx="7430984" cy="4011523"/>
+          </a:xfrm>
+          <a:prstGeom prst="rect">
+            <a:avLst/>
+          </a:prstGeom>
+        </p:spPr>
+      </p:pic>
+    </p:spTree>
+    <p:extLst>
+      <p:ext uri="{BB962C8B-B14F-4D97-AF65-F5344CB8AC3E}">
+        <p14:creationId xmlns:p14="http://schemas.microsoft.com/office/powerpoint/2010/main" val="352628305"/>
+      </p:ext>
+    </p:extLst>
+  </p:cSld>
+  <p:clrMapOvr>
+    <a:masterClrMapping/>
+  </p:clrMapOvr>
+</p:sld>
+</file>
+
+<file path=ppt/slides/slide23.xml><?xml version="1.0" encoding="utf-8"?>
+<p:sld xmlns:a="http://schemas.openxmlformats.org/drawingml/2006/main" xmlns:r="http://schemas.openxmlformats.org/officeDocument/2006/relationships" xmlns:p="http://schemas.openxmlformats.org/presentationml/2006/main">
+  <p:cSld>
+    <p:spTree>
+      <p:nvGrpSpPr>
+        <p:cNvPr id="1" name=""/>
+        <p:cNvGrpSpPr/>
+        <p:nvPr/>
+      </p:nvGrpSpPr>
+      <p:grpSpPr>
+        <a:xfrm>
+          <a:off x="0" y="0"/>
+          <a:ext cx="0" cy="0"/>
+          <a:chOff x="0" y="0"/>
+          <a:chExt cx="0" cy="0"/>
+        </a:xfrm>
+      </p:grpSpPr>
+      <p:sp>
+        <p:nvSpPr>
+          <p:cNvPr id="2" name="Заголовок 1"/>
+          <p:cNvSpPr>
+            <a:spLocks noGrp="1"/>
+          </p:cNvSpPr>
+          <p:nvPr>
+            <p:ph type="title"/>
+          </p:nvPr>
+        </p:nvSpPr>
+        <p:spPr/>
+        <p:txBody>
+          <a:bodyPr/>
+          <a:lstStyle/>
+          <a:p>
+            <a:endParaRPr lang="ru-RU"/>
+          </a:p>
+        </p:txBody>
+      </p:sp>
+      <p:pic>
+        <p:nvPicPr>
+          <p:cNvPr id="3" name="Рисунок 2"/>
+          <p:cNvPicPr>
+            <a:picLocks noChangeAspect="1"/>
+          </p:cNvPicPr>
+          <p:nvPr/>
+        </p:nvPicPr>
+        <p:blipFill>
+          <a:blip r:embed="rId2"/>
+          <a:stretch>
+            <a:fillRect/>
+          </a:stretch>
+        </p:blipFill>
+        <p:spPr>
+          <a:xfrm>
+            <a:off x="1608554" y="1464976"/>
+            <a:ext cx="8269964" cy="4128910"/>
+          </a:xfrm>
+          <a:prstGeom prst="rect">
+            <a:avLst/>
+          </a:prstGeom>
+        </p:spPr>
+      </p:pic>
+    </p:spTree>
+    <p:extLst>
+      <p:ext uri="{BB962C8B-B14F-4D97-AF65-F5344CB8AC3E}">
+        <p14:creationId xmlns:p14="http://schemas.microsoft.com/office/powerpoint/2010/main" val="2842035050"/>
+      </p:ext>
+    </p:extLst>
+  </p:cSld>
+  <p:clrMapOvr>
+    <a:masterClrMapping/>
+  </p:clrMapOvr>
+</p:sld>
+</file>
+
+<file path=ppt/slides/slide24.xml><?xml version="1.0" encoding="utf-8"?>
+<p:sld xmlns:a="http://schemas.openxmlformats.org/drawingml/2006/main" xmlns:r="http://schemas.openxmlformats.org/officeDocument/2006/relationships" xmlns:p="http://schemas.openxmlformats.org/presentationml/2006/main">
+  <p:cSld>
+    <p:spTree>
+      <p:nvGrpSpPr>
+        <p:cNvPr id="1" name=""/>
+        <p:cNvGrpSpPr/>
+        <p:nvPr/>
+      </p:nvGrpSpPr>
+      <p:grpSpPr>
+        <a:xfrm>
+          <a:off x="0" y="0"/>
+          <a:ext cx="0" cy="0"/>
+          <a:chOff x="0" y="0"/>
+          <a:chExt cx="0" cy="0"/>
+        </a:xfrm>
+      </p:grpSpPr>
+      <p:sp>
+        <p:nvSpPr>
+          <p:cNvPr id="2" name="Заголовок 1"/>
+          <p:cNvSpPr>
+            <a:spLocks noGrp="1"/>
+          </p:cNvSpPr>
+          <p:nvPr>
+            <p:ph type="title"/>
+          </p:nvPr>
+        </p:nvSpPr>
+        <p:spPr/>
+        <p:txBody>
+          <a:bodyPr/>
+          <a:lstStyle/>
+          <a:p>
+            <a:endParaRPr lang="ru-RU"/>
+          </a:p>
+        </p:txBody>
+      </p:sp>
+      <p:pic>
+        <p:nvPicPr>
+          <p:cNvPr id="3" name="Рисунок 2"/>
+          <p:cNvPicPr>
+            <a:picLocks noChangeAspect="1"/>
+          </p:cNvPicPr>
+          <p:nvPr/>
+        </p:nvPicPr>
+        <p:blipFill>
+          <a:blip r:embed="rId2"/>
+          <a:stretch>
+            <a:fillRect/>
+          </a:stretch>
+        </p:blipFill>
+        <p:spPr>
+          <a:xfrm>
+            <a:off x="1119031" y="1169544"/>
+            <a:ext cx="8746355" cy="5201275"/>
+          </a:xfrm>
+          <a:prstGeom prst="rect">
+            <a:avLst/>
+          </a:prstGeom>
+        </p:spPr>
+      </p:pic>
+    </p:spTree>
+    <p:extLst>
+      <p:ext uri="{BB962C8B-B14F-4D97-AF65-F5344CB8AC3E}">
+        <p14:creationId xmlns:p14="http://schemas.microsoft.com/office/powerpoint/2010/main" val="260078087"/>
+      </p:ext>
+    </p:extLst>
+  </p:cSld>
+  <p:clrMapOvr>
+    <a:masterClrMapping/>
+  </p:clrMapOvr>
+</p:sld>
+</file>
+
+<file path=ppt/slides/slide25.xml><?xml version="1.0" encoding="utf-8"?>
+<p:sld xmlns:a="http://schemas.openxmlformats.org/drawingml/2006/main" xmlns:r="http://schemas.openxmlformats.org/officeDocument/2006/relationships" xmlns:p="http://schemas.openxmlformats.org/presentationml/2006/main">
+  <p:cSld>
+    <p:spTree>
+      <p:nvGrpSpPr>
+        <p:cNvPr id="1" name=""/>
+        <p:cNvGrpSpPr/>
+        <p:nvPr/>
+      </p:nvGrpSpPr>
+      <p:grpSpPr>
+        <a:xfrm>
+          <a:off x="0" y="0"/>
+          <a:ext cx="0" cy="0"/>
+          <a:chOff x="0" y="0"/>
+          <a:chExt cx="0" cy="0"/>
+        </a:xfrm>
+      </p:grpSpPr>
+      <p:sp>
+        <p:nvSpPr>
+          <p:cNvPr id="2" name="Заголовок 1"/>
+          <p:cNvSpPr>
+            <a:spLocks noGrp="1"/>
+          </p:cNvSpPr>
+          <p:nvPr>
+            <p:ph type="title"/>
+          </p:nvPr>
+        </p:nvSpPr>
+        <p:spPr/>
+        <p:txBody>
+          <a:bodyPr/>
+          <a:lstStyle/>
+          <a:p>
+            <a:endParaRPr lang="ru-RU"/>
+          </a:p>
+        </p:txBody>
+      </p:sp>
+      <p:pic>
+        <p:nvPicPr>
+          <p:cNvPr id="3" name="Рисунок 2"/>
+          <p:cNvPicPr>
+            <a:picLocks noChangeAspect="1"/>
+          </p:cNvPicPr>
+          <p:nvPr/>
+        </p:nvPicPr>
+        <p:blipFill>
+          <a:blip r:embed="rId2"/>
+          <a:stretch>
+            <a:fillRect/>
+          </a:stretch>
+        </p:blipFill>
+        <p:spPr>
+          <a:xfrm>
+            <a:off x="538397" y="1532587"/>
+            <a:ext cx="10965913" cy="3579059"/>
+          </a:xfrm>
+          <a:prstGeom prst="rect">
+            <a:avLst/>
+          </a:prstGeom>
+        </p:spPr>
+      </p:pic>
+    </p:spTree>
+    <p:extLst>
+      <p:ext uri="{BB962C8B-B14F-4D97-AF65-F5344CB8AC3E}">
+        <p14:creationId xmlns:p14="http://schemas.microsoft.com/office/powerpoint/2010/main" val="1834868644"/>
+      </p:ext>
+    </p:extLst>
+  </p:cSld>
+  <p:clrMapOvr>
+    <a:masterClrMapping/>
+  </p:clrMapOvr>
+</p:sld>
+</file>
+
+<file path=ppt/slides/slide26.xml><?xml version="1.0" encoding="utf-8"?>
+<p:sld xmlns:a="http://schemas.openxmlformats.org/drawingml/2006/main" xmlns:r="http://schemas.openxmlformats.org/officeDocument/2006/relationships" xmlns:p="http://schemas.openxmlformats.org/presentationml/2006/main">
+  <p:cSld>
+    <p:spTree>
+      <p:nvGrpSpPr>
+        <p:cNvPr id="1" name=""/>
+        <p:cNvGrpSpPr/>
+        <p:nvPr/>
+      </p:nvGrpSpPr>
+      <p:grpSpPr>
+        <a:xfrm>
+          <a:off x="0" y="0"/>
+          <a:ext cx="0" cy="0"/>
+          <a:chOff x="0" y="0"/>
+          <a:chExt cx="0" cy="0"/>
+        </a:xfrm>
+      </p:grpSpPr>
+      <p:sp>
+        <p:nvSpPr>
+          <p:cNvPr id="2" name="Заголовок 1"/>
+          <p:cNvSpPr>
+            <a:spLocks noGrp="1"/>
+          </p:cNvSpPr>
+          <p:nvPr>
+            <p:ph type="title"/>
+          </p:nvPr>
+        </p:nvSpPr>
+        <p:spPr/>
+        <p:txBody>
+          <a:bodyPr/>
+          <a:lstStyle/>
+          <a:p>
+            <a:r>
+              <a:rPr lang="ru-RU" dirty="0" smtClean="0"/>
+              <a:t>Характеристики организма</a:t>
+            </a:r>
+            <a:endParaRPr lang="ru-RU" dirty="0"/>
+          </a:p>
+        </p:txBody>
+      </p:sp>
+      <p:pic>
+        <p:nvPicPr>
+          <p:cNvPr id="3" name="Рисунок 2"/>
+          <p:cNvPicPr>
+            <a:picLocks noChangeAspect="1"/>
+          </p:cNvPicPr>
+          <p:nvPr/>
+        </p:nvPicPr>
+        <p:blipFill>
+          <a:blip r:embed="rId2"/>
+          <a:stretch>
+            <a:fillRect/>
+          </a:stretch>
+        </p:blipFill>
+        <p:spPr>
+          <a:xfrm>
+            <a:off x="1337260" y="1924551"/>
+            <a:ext cx="9607723" cy="3481637"/>
+          </a:xfrm>
+          <a:prstGeom prst="rect">
+            <a:avLst/>
+          </a:prstGeom>
+        </p:spPr>
+      </p:pic>
+    </p:spTree>
+    <p:extLst>
+      <p:ext uri="{BB962C8B-B14F-4D97-AF65-F5344CB8AC3E}">
+        <p14:creationId xmlns:p14="http://schemas.microsoft.com/office/powerpoint/2010/main" val="41170162"/>
+      </p:ext>
+    </p:extLst>
+  </p:cSld>
+  <p:clrMapOvr>
+    <a:masterClrMapping/>
+  </p:clrMapOvr>
+</p:sld>
+</file>
+
+<file path=ppt/slides/slide27.xml><?xml version="1.0" encoding="utf-8"?>
+<p:sld xmlns:a="http://schemas.openxmlformats.org/drawingml/2006/main" xmlns:r="http://schemas.openxmlformats.org/officeDocument/2006/relationships" xmlns:p="http://schemas.openxmlformats.org/presentationml/2006/main">
+  <p:cSld>
+    <p:spTree>
+      <p:nvGrpSpPr>
+        <p:cNvPr id="1" name=""/>
+        <p:cNvGrpSpPr/>
+        <p:nvPr/>
+      </p:nvGrpSpPr>
+      <p:grpSpPr>
+        <a:xfrm>
+          <a:off x="0" y="0"/>
+          <a:ext cx="0" cy="0"/>
+          <a:chOff x="0" y="0"/>
+          <a:chExt cx="0" cy="0"/>
+        </a:xfrm>
+      </p:grpSpPr>
+      <p:sp>
+        <p:nvSpPr>
+          <p:cNvPr id="2" name="Заголовок 1"/>
+          <p:cNvSpPr>
+            <a:spLocks noGrp="1"/>
+          </p:cNvSpPr>
+          <p:nvPr>
+            <p:ph type="title"/>
+          </p:nvPr>
+        </p:nvSpPr>
+        <p:spPr/>
+        <p:txBody>
+          <a:bodyPr/>
+          <a:lstStyle/>
+          <a:p>
+            <a:endParaRPr lang="ru-RU" dirty="0"/>
+          </a:p>
+        </p:txBody>
+      </p:sp>
+      <p:pic>
+        <p:nvPicPr>
+          <p:cNvPr id="3" name="Рисунок 2"/>
+          <p:cNvPicPr>
+            <a:picLocks noChangeAspect="1"/>
+          </p:cNvPicPr>
+          <p:nvPr/>
+        </p:nvPicPr>
+        <p:blipFill>
+          <a:blip r:embed="rId2"/>
+          <a:stretch>
+            <a:fillRect/>
+          </a:stretch>
+        </p:blipFill>
+        <p:spPr>
+          <a:xfrm>
+            <a:off x="2095499" y="1529263"/>
+            <a:ext cx="7738311" cy="5177299"/>
+          </a:xfrm>
+          <a:prstGeom prst="rect">
+            <a:avLst/>
+          </a:prstGeom>
+        </p:spPr>
+      </p:pic>
+    </p:spTree>
+    <p:extLst>
+      <p:ext uri="{BB962C8B-B14F-4D97-AF65-F5344CB8AC3E}">
+        <p14:creationId xmlns:p14="http://schemas.microsoft.com/office/powerpoint/2010/main" val="452106114"/>
+      </p:ext>
+    </p:extLst>
+  </p:cSld>
+  <p:clrMapOvr>
+    <a:masterClrMapping/>
+  </p:clrMapOvr>
+</p:sld>
+</file>
+
+<file path=ppt/slides/slide28.xml><?xml version="1.0" encoding="utf-8"?>
+<p:sld xmlns:a="http://schemas.openxmlformats.org/drawingml/2006/main" xmlns:r="http://schemas.openxmlformats.org/officeDocument/2006/relationships" xmlns:p="http://schemas.openxmlformats.org/presentationml/2006/main">
+  <p:cSld>
+    <p:spTree>
+      <p:nvGrpSpPr>
+        <p:cNvPr id="1" name=""/>
+        <p:cNvGrpSpPr/>
+        <p:nvPr/>
+      </p:nvGrpSpPr>
+      <p:grpSpPr>
+        <a:xfrm>
+          <a:off x="0" y="0"/>
+          <a:ext cx="0" cy="0"/>
+          <a:chOff x="0" y="0"/>
+          <a:chExt cx="0" cy="0"/>
+        </a:xfrm>
+      </p:grpSpPr>
+      <p:sp>
+        <p:nvSpPr>
+          <p:cNvPr id="2" name="Заголовок 1"/>
+          <p:cNvSpPr>
+            <a:spLocks noGrp="1"/>
+          </p:cNvSpPr>
+          <p:nvPr>
+            <p:ph type="title"/>
+          </p:nvPr>
+        </p:nvSpPr>
+        <p:spPr/>
+        <p:txBody>
+          <a:bodyPr/>
+          <a:lstStyle/>
+          <a:p>
+            <a:endParaRPr lang="ru-RU"/>
+          </a:p>
+        </p:txBody>
+      </p:sp>
+      <p:pic>
+        <p:nvPicPr>
+          <p:cNvPr id="3" name="Рисунок 2"/>
+          <p:cNvPicPr>
+            <a:picLocks noChangeAspect="1"/>
+          </p:cNvPicPr>
+          <p:nvPr/>
+        </p:nvPicPr>
+        <p:blipFill>
+          <a:blip r:embed="rId2"/>
+          <a:stretch>
+            <a:fillRect/>
+          </a:stretch>
+        </p:blipFill>
+        <p:spPr>
+          <a:xfrm>
+            <a:off x="998621" y="1027906"/>
+            <a:ext cx="9829800" cy="4856528"/>
+          </a:xfrm>
+          <a:prstGeom prst="rect">
+            <a:avLst/>
+          </a:prstGeom>
+        </p:spPr>
+      </p:pic>
+    </p:spTree>
+    <p:extLst>
+      <p:ext uri="{BB962C8B-B14F-4D97-AF65-F5344CB8AC3E}">
+        <p14:creationId xmlns:p14="http://schemas.microsoft.com/office/powerpoint/2010/main" val="2016999881"/>
+      </p:ext>
+    </p:extLst>
+  </p:cSld>
+  <p:clrMapOvr>
+    <a:masterClrMapping/>
+  </p:clrMapOvr>
+</p:sld>
+</file>
+
+<file path=ppt/slides/slide29.xml><?xml version="1.0" encoding="utf-8"?>
+<p:sld xmlns:a="http://schemas.openxmlformats.org/drawingml/2006/main" xmlns:r="http://schemas.openxmlformats.org/officeDocument/2006/relationships" xmlns:p="http://schemas.openxmlformats.org/presentationml/2006/main">
+  <p:cSld>
+    <p:spTree>
+      <p:nvGrpSpPr>
+        <p:cNvPr id="1" name=""/>
+        <p:cNvGrpSpPr/>
+        <p:nvPr/>
+      </p:nvGrpSpPr>
+      <p:grpSpPr>
+        <a:xfrm>
+          <a:off x="0" y="0"/>
+          <a:ext cx="0" cy="0"/>
+          <a:chOff x="0" y="0"/>
+          <a:chExt cx="0" cy="0"/>
+        </a:xfrm>
+      </p:grpSpPr>
+      <p:sp>
+        <p:nvSpPr>
+          <p:cNvPr id="2" name="Заголовок 1"/>
+          <p:cNvSpPr>
+            <a:spLocks noGrp="1"/>
+          </p:cNvSpPr>
+          <p:nvPr>
+            <p:ph type="title"/>
+          </p:nvPr>
+        </p:nvSpPr>
+        <p:spPr/>
+        <p:txBody>
+          <a:bodyPr/>
+          <a:lstStyle/>
+          <a:p>
+            <a:endParaRPr lang="ru-RU"/>
+          </a:p>
+        </p:txBody>
+      </p:sp>
+      <p:pic>
+        <p:nvPicPr>
+          <p:cNvPr id="3" name="Рисунок 2"/>
+          <p:cNvPicPr>
+            <a:picLocks noChangeAspect="1"/>
+          </p:cNvPicPr>
+          <p:nvPr/>
+        </p:nvPicPr>
+        <p:blipFill>
+          <a:blip r:embed="rId2"/>
+          <a:stretch>
+            <a:fillRect/>
+          </a:stretch>
+        </p:blipFill>
+        <p:spPr>
+          <a:xfrm>
+            <a:off x="1549567" y="365125"/>
+            <a:ext cx="8412580" cy="6488627"/>
+          </a:xfrm>
+          <a:prstGeom prst="rect">
+            <a:avLst/>
+          </a:prstGeom>
+        </p:spPr>
+      </p:pic>
+    </p:spTree>
+    <p:extLst>
+      <p:ext uri="{BB962C8B-B14F-4D97-AF65-F5344CB8AC3E}">
+        <p14:creationId xmlns:p14="http://schemas.microsoft.com/office/powerpoint/2010/main" val="3528352359"/>
+      </p:ext>
+    </p:extLst>
+  </p:cSld>
+  <p:clrMapOvr>
+    <a:masterClrMapping/>
+  </p:clrMapOvr>
+</p:sld>
+</file>
+
 <file path=ppt/slides/slide3.xml><?xml version="1.0" encoding="utf-8"?>
 <p:sld xmlns:a="http://schemas.openxmlformats.org/drawingml/2006/main" xmlns:r="http://schemas.openxmlformats.org/officeDocument/2006/relationships" xmlns:p="http://schemas.openxmlformats.org/presentationml/2006/main">
   <p:cSld>
@@ -4735,6 +5337,160 @@
     <p:extLst>
       <p:ext uri="{BB962C8B-B14F-4D97-AF65-F5344CB8AC3E}">
         <p14:creationId xmlns:p14="http://schemas.microsoft.com/office/powerpoint/2010/main" val="389381796"/>
+      </p:ext>
+    </p:extLst>
+  </p:cSld>
+  <p:clrMapOvr>
+    <a:masterClrMapping/>
+  </p:clrMapOvr>
+</p:sld>
+</file>
+
+<file path=ppt/slides/slide30.xml><?xml version="1.0" encoding="utf-8"?>
+<p:sld xmlns:a="http://schemas.openxmlformats.org/drawingml/2006/main" xmlns:r="http://schemas.openxmlformats.org/officeDocument/2006/relationships" xmlns:p="http://schemas.openxmlformats.org/presentationml/2006/main">
+  <p:cSld>
+    <p:spTree>
+      <p:nvGrpSpPr>
+        <p:cNvPr id="1" name=""/>
+        <p:cNvGrpSpPr/>
+        <p:nvPr/>
+      </p:nvGrpSpPr>
+      <p:grpSpPr>
+        <a:xfrm>
+          <a:off x="0" y="0"/>
+          <a:ext cx="0" cy="0"/>
+          <a:chOff x="0" y="0"/>
+          <a:chExt cx="0" cy="0"/>
+        </a:xfrm>
+      </p:grpSpPr>
+      <p:sp>
+        <p:nvSpPr>
+          <p:cNvPr id="2" name="Заголовок 1"/>
+          <p:cNvSpPr>
+            <a:spLocks noGrp="1"/>
+          </p:cNvSpPr>
+          <p:nvPr>
+            <p:ph type="title"/>
+          </p:nvPr>
+        </p:nvSpPr>
+        <p:spPr/>
+        <p:txBody>
+          <a:bodyPr/>
+          <a:lstStyle/>
+          <a:p>
+            <a:r>
+              <a:rPr lang="ru-RU" dirty="0" smtClean="0"/>
+              <a:t>Двухточечный кроссинговер</a:t>
+            </a:r>
+            <a:endParaRPr lang="ru-RU" dirty="0"/>
+          </a:p>
+        </p:txBody>
+      </p:sp>
+      <p:pic>
+        <p:nvPicPr>
+          <p:cNvPr id="3" name="Рисунок 2"/>
+          <p:cNvPicPr>
+            <a:picLocks noChangeAspect="1"/>
+          </p:cNvPicPr>
+          <p:nvPr/>
+        </p:nvPicPr>
+        <p:blipFill>
+          <a:blip r:embed="rId2"/>
+          <a:stretch>
+            <a:fillRect/>
+          </a:stretch>
+        </p:blipFill>
+        <p:spPr>
+          <a:xfrm>
+            <a:off x="402126" y="1557296"/>
+            <a:ext cx="10823337" cy="4784057"/>
+          </a:xfrm>
+          <a:prstGeom prst="rect">
+            <a:avLst/>
+          </a:prstGeom>
+        </p:spPr>
+      </p:pic>
+    </p:spTree>
+    <p:extLst>
+      <p:ext uri="{BB962C8B-B14F-4D97-AF65-F5344CB8AC3E}">
+        <p14:creationId xmlns:p14="http://schemas.microsoft.com/office/powerpoint/2010/main" val="3399385534"/>
+      </p:ext>
+    </p:extLst>
+  </p:cSld>
+  <p:clrMapOvr>
+    <a:masterClrMapping/>
+  </p:clrMapOvr>
+</p:sld>
+</file>
+
+<file path=ppt/slides/slide31.xml><?xml version="1.0" encoding="utf-8"?>
+<p:sld xmlns:a="http://schemas.openxmlformats.org/drawingml/2006/main" xmlns:r="http://schemas.openxmlformats.org/officeDocument/2006/relationships" xmlns:p="http://schemas.openxmlformats.org/presentationml/2006/main">
+  <p:cSld>
+    <p:spTree>
+      <p:nvGrpSpPr>
+        <p:cNvPr id="1" name=""/>
+        <p:cNvGrpSpPr/>
+        <p:nvPr/>
+      </p:nvGrpSpPr>
+      <p:grpSpPr>
+        <a:xfrm>
+          <a:off x="0" y="0"/>
+          <a:ext cx="0" cy="0"/>
+          <a:chOff x="0" y="0"/>
+          <a:chExt cx="0" cy="0"/>
+        </a:xfrm>
+      </p:grpSpPr>
+      <p:sp>
+        <p:nvSpPr>
+          <p:cNvPr id="2" name="Заголовок 1"/>
+          <p:cNvSpPr>
+            <a:spLocks noGrp="1"/>
+          </p:cNvSpPr>
+          <p:nvPr>
+            <p:ph type="title"/>
+          </p:nvPr>
+        </p:nvSpPr>
+        <p:spPr/>
+        <p:txBody>
+          <a:bodyPr/>
+          <a:lstStyle/>
+          <a:p>
+            <a:r>
+              <a:rPr lang="ru-RU" dirty="0" smtClean="0"/>
+              <a:t>Однородный кроссинговер</a:t>
+            </a:r>
+            <a:endParaRPr lang="ru-RU" dirty="0"/>
+          </a:p>
+        </p:txBody>
+      </p:sp>
+      <p:pic>
+        <p:nvPicPr>
+          <p:cNvPr id="3" name="Рисунок 2"/>
+          <p:cNvPicPr>
+            <a:picLocks noChangeAspect="1"/>
+          </p:cNvPicPr>
+          <p:nvPr/>
+        </p:nvPicPr>
+        <p:blipFill>
+          <a:blip r:embed="rId2"/>
+          <a:stretch>
+            <a:fillRect/>
+          </a:stretch>
+        </p:blipFill>
+        <p:spPr>
+          <a:xfrm>
+            <a:off x="1820778" y="1358314"/>
+            <a:ext cx="8148995" cy="4464970"/>
+          </a:xfrm>
+          <a:prstGeom prst="rect">
+            <a:avLst/>
+          </a:prstGeom>
+        </p:spPr>
+      </p:pic>
+    </p:spTree>
+    <p:extLst>
+      <p:ext uri="{BB962C8B-B14F-4D97-AF65-F5344CB8AC3E}">
+        <p14:creationId xmlns:p14="http://schemas.microsoft.com/office/powerpoint/2010/main" val="3888674994"/>
       </p:ext>
     </p:extLst>
   </p:cSld>

--- a/Моделирование систем_/Лекции/Схемы.pptx
+++ b/Моделирование систем_/Лекции/Схемы.pptx
@@ -36,6 +36,7 @@
     <p:sldId id="284" r:id="rId30"/>
     <p:sldId id="285" r:id="rId31"/>
     <p:sldId id="286" r:id="rId32"/>
+    <p:sldId id="287" r:id="rId33"/>
   </p:sldIdLst>
   <p:sldSz cx="12192000" cy="6858000"/>
   <p:notesSz cx="6858000" cy="9144000"/>
@@ -273,7 +274,7 @@
           <a:p>
             <a:fld id="{F010B017-3C11-4A71-94BE-A3878F9C0764}" type="datetimeFigureOut">
               <a:rPr lang="ru-RU" smtClean="0"/>
-              <a:t>25.11.2021</a:t>
+              <a:t>02.12.2021</a:t>
             </a:fld>
             <a:endParaRPr lang="ru-RU"/>
           </a:p>
@@ -443,7 +444,7 @@
           <a:p>
             <a:fld id="{F010B017-3C11-4A71-94BE-A3878F9C0764}" type="datetimeFigureOut">
               <a:rPr lang="ru-RU" smtClean="0"/>
-              <a:t>25.11.2021</a:t>
+              <a:t>02.12.2021</a:t>
             </a:fld>
             <a:endParaRPr lang="ru-RU"/>
           </a:p>
@@ -623,7 +624,7 @@
           <a:p>
             <a:fld id="{F010B017-3C11-4A71-94BE-A3878F9C0764}" type="datetimeFigureOut">
               <a:rPr lang="ru-RU" smtClean="0"/>
-              <a:t>25.11.2021</a:t>
+              <a:t>02.12.2021</a:t>
             </a:fld>
             <a:endParaRPr lang="ru-RU"/>
           </a:p>
@@ -793,7 +794,7 @@
           <a:p>
             <a:fld id="{F010B017-3C11-4A71-94BE-A3878F9C0764}" type="datetimeFigureOut">
               <a:rPr lang="ru-RU" smtClean="0"/>
-              <a:t>25.11.2021</a:t>
+              <a:t>02.12.2021</a:t>
             </a:fld>
             <a:endParaRPr lang="ru-RU"/>
           </a:p>
@@ -1039,7 +1040,7 @@
           <a:p>
             <a:fld id="{F010B017-3C11-4A71-94BE-A3878F9C0764}" type="datetimeFigureOut">
               <a:rPr lang="ru-RU" smtClean="0"/>
-              <a:t>25.11.2021</a:t>
+              <a:t>02.12.2021</a:t>
             </a:fld>
             <a:endParaRPr lang="ru-RU"/>
           </a:p>
@@ -1271,7 +1272,7 @@
           <a:p>
             <a:fld id="{F010B017-3C11-4A71-94BE-A3878F9C0764}" type="datetimeFigureOut">
               <a:rPr lang="ru-RU" smtClean="0"/>
-              <a:t>25.11.2021</a:t>
+              <a:t>02.12.2021</a:t>
             </a:fld>
             <a:endParaRPr lang="ru-RU"/>
           </a:p>
@@ -1638,7 +1639,7 @@
           <a:p>
             <a:fld id="{F010B017-3C11-4A71-94BE-A3878F9C0764}" type="datetimeFigureOut">
               <a:rPr lang="ru-RU" smtClean="0"/>
-              <a:t>25.11.2021</a:t>
+              <a:t>02.12.2021</a:t>
             </a:fld>
             <a:endParaRPr lang="ru-RU"/>
           </a:p>
@@ -1756,7 +1757,7 @@
           <a:p>
             <a:fld id="{F010B017-3C11-4A71-94BE-A3878F9C0764}" type="datetimeFigureOut">
               <a:rPr lang="ru-RU" smtClean="0"/>
-              <a:t>25.11.2021</a:t>
+              <a:t>02.12.2021</a:t>
             </a:fld>
             <a:endParaRPr lang="ru-RU"/>
           </a:p>
@@ -1851,7 +1852,7 @@
           <a:p>
             <a:fld id="{F010B017-3C11-4A71-94BE-A3878F9C0764}" type="datetimeFigureOut">
               <a:rPr lang="ru-RU" smtClean="0"/>
-              <a:t>25.11.2021</a:t>
+              <a:t>02.12.2021</a:t>
             </a:fld>
             <a:endParaRPr lang="ru-RU"/>
           </a:p>
@@ -2128,7 +2129,7 @@
           <a:p>
             <a:fld id="{F010B017-3C11-4A71-94BE-A3878F9C0764}" type="datetimeFigureOut">
               <a:rPr lang="ru-RU" smtClean="0"/>
-              <a:t>25.11.2021</a:t>
+              <a:t>02.12.2021</a:t>
             </a:fld>
             <a:endParaRPr lang="ru-RU"/>
           </a:p>
@@ -2381,7 +2382,7 @@
           <a:p>
             <a:fld id="{F010B017-3C11-4A71-94BE-A3878F9C0764}" type="datetimeFigureOut">
               <a:rPr lang="ru-RU" smtClean="0"/>
-              <a:t>25.11.2021</a:t>
+              <a:t>02.12.2021</a:t>
             </a:fld>
             <a:endParaRPr lang="ru-RU"/>
           </a:p>
@@ -2594,7 +2595,7 @@
           <a:p>
             <a:fld id="{F010B017-3C11-4A71-94BE-A3878F9C0764}" type="datetimeFigureOut">
               <a:rPr lang="ru-RU" smtClean="0"/>
-              <a:t>25.11.2021</a:t>
+              <a:t>02.12.2021</a:t>
             </a:fld>
             <a:endParaRPr lang="ru-RU"/>
           </a:p>
@@ -5500,6 +5501,55 @@
 </p:sld>
 </file>
 
+<file path=ppt/slides/slide32.xml><?xml version="1.0" encoding="utf-8"?>
+<p:sld xmlns:a="http://schemas.openxmlformats.org/drawingml/2006/main" xmlns:r="http://schemas.openxmlformats.org/officeDocument/2006/relationships" xmlns:p="http://schemas.openxmlformats.org/presentationml/2006/main">
+  <p:cSld>
+    <p:spTree>
+      <p:nvGrpSpPr>
+        <p:cNvPr id="1" name=""/>
+        <p:cNvGrpSpPr/>
+        <p:nvPr/>
+      </p:nvGrpSpPr>
+      <p:grpSpPr>
+        <a:xfrm>
+          <a:off x="0" y="0"/>
+          <a:ext cx="0" cy="0"/>
+          <a:chOff x="0" y="0"/>
+          <a:chExt cx="0" cy="0"/>
+        </a:xfrm>
+      </p:grpSpPr>
+      <p:sp>
+        <p:nvSpPr>
+          <p:cNvPr id="2" name="Заголовок 1"/>
+          <p:cNvSpPr>
+            <a:spLocks noGrp="1"/>
+          </p:cNvSpPr>
+          <p:nvPr>
+            <p:ph type="title"/>
+          </p:nvPr>
+        </p:nvSpPr>
+        <p:spPr/>
+        <p:txBody>
+          <a:bodyPr/>
+          <a:lstStyle/>
+          <a:p>
+            <a:endParaRPr lang="ru-RU"/>
+          </a:p>
+        </p:txBody>
+      </p:sp>
+    </p:spTree>
+    <p:extLst>
+      <p:ext uri="{BB962C8B-B14F-4D97-AF65-F5344CB8AC3E}">
+        <p14:creationId xmlns:p14="http://schemas.microsoft.com/office/powerpoint/2010/main" val="407706277"/>
+      </p:ext>
+    </p:extLst>
+  </p:cSld>
+  <p:clrMapOvr>
+    <a:masterClrMapping/>
+  </p:clrMapOvr>
+</p:sld>
+</file>
+
 <file path=ppt/slides/slide4.xml><?xml version="1.0" encoding="utf-8"?>
 <p:sld xmlns:a="http://schemas.openxmlformats.org/drawingml/2006/main" xmlns:r="http://schemas.openxmlformats.org/officeDocument/2006/relationships" xmlns:p="http://schemas.openxmlformats.org/presentationml/2006/main">
   <p:cSld>
